--- a/backend/inkPPTbackend/media/presentation.pptx
+++ b/backend/inkPPTbackend/media/presentation.pptx
@@ -1,20 +1,20 @@
 
 <file path=ppt/presentation.xml><?xml version="1.0" encoding="utf-8"?>
-<p:presentation xmlns:a="http://schemas.openxmlformats.org/drawingml/2006/main" xmlns:r="http://schemas.openxmlformats.org/officeDocument/2006/relationships" xmlns:p="http://schemas.openxmlformats.org/presentationml/2006/main" xmlns:m="http://schemas.openxmlformats.org/officeDocument/2006/math" xmlns:w="http://schemas.openxmlformats.org/wordprocessingml/2006/main" saveSubsetFonts="1">
+<p:presentation xmlns:a="http://schemas.openxmlformats.org/drawingml/2006/main" xmlns:r="http://schemas.openxmlformats.org/officeDocument/2006/relationships" xmlns:p="http://schemas.openxmlformats.org/presentationml/2006/main" saveSubsetFonts="1" autoCompressPictures="0">
   <p:sldMasterIdLst>
     <p:sldMasterId id="2147483648" r:id="rId1"/>
   </p:sldMasterIdLst>
   <p:sldIdLst>
-    <p:sldId id="256" r:id="rId3"/>
+    <p:sldId id="256" r:id="rId7"/>
   </p:sldIdLst>
-  <p:sldSz cx="12192000" cy="6858000"/>
-  <p:notesSz cx="12192000" cy="6858000"/>
+  <p:sldSz cx="9144000" cy="6858000" type="screen4x3"/>
+  <p:notesSz cx="6858000" cy="9144000"/>
   <p:defaultTextStyle>
     <a:defPPr>
       <a:defRPr lang="en-US"/>
     </a:defPPr>
-    <a:lvl1pPr marL="0" algn="l" defTabSz="914400">
-      <a:defRPr sz="1800">
+    <a:lvl1pPr marL="0" algn="l" defTabSz="457200" rtl="0" eaLnBrk="1" latinLnBrk="0" hangingPunct="1">
+      <a:defRPr sz="1800" kern="1200">
         <a:solidFill>
           <a:schemeClr val="tx1"/>
         </a:solidFill>
@@ -23,8 +23,8 @@
         <a:cs typeface="+mn-cs"/>
       </a:defRPr>
     </a:lvl1pPr>
-    <a:lvl2pPr marL="457200" algn="l" defTabSz="914400">
-      <a:defRPr sz="1800">
+    <a:lvl2pPr marL="457200" algn="l" defTabSz="457200" rtl="0" eaLnBrk="1" latinLnBrk="0" hangingPunct="1">
+      <a:defRPr sz="1800" kern="1200">
         <a:solidFill>
           <a:schemeClr val="tx1"/>
         </a:solidFill>
@@ -33,8 +33,8 @@
         <a:cs typeface="+mn-cs"/>
       </a:defRPr>
     </a:lvl2pPr>
-    <a:lvl3pPr marL="914400" algn="l" defTabSz="914400">
-      <a:defRPr sz="1800">
+    <a:lvl3pPr marL="914400" algn="l" defTabSz="457200" rtl="0" eaLnBrk="1" latinLnBrk="0" hangingPunct="1">
+      <a:defRPr sz="1800" kern="1200">
         <a:solidFill>
           <a:schemeClr val="tx1"/>
         </a:solidFill>
@@ -43,8 +43,8 @@
         <a:cs typeface="+mn-cs"/>
       </a:defRPr>
     </a:lvl3pPr>
-    <a:lvl4pPr marL="1371600" algn="l" defTabSz="914400">
-      <a:defRPr sz="1800">
+    <a:lvl4pPr marL="1371600" algn="l" defTabSz="457200" rtl="0" eaLnBrk="1" latinLnBrk="0" hangingPunct="1">
+      <a:defRPr sz="1800" kern="1200">
         <a:solidFill>
           <a:schemeClr val="tx1"/>
         </a:solidFill>
@@ -53,8 +53,8 @@
         <a:cs typeface="+mn-cs"/>
       </a:defRPr>
     </a:lvl4pPr>
-    <a:lvl5pPr marL="1828800" algn="l" defTabSz="914400">
-      <a:defRPr sz="1800">
+    <a:lvl5pPr marL="1828800" algn="l" defTabSz="457200" rtl="0" eaLnBrk="1" latinLnBrk="0" hangingPunct="1">
+      <a:defRPr sz="1800" kern="1200">
         <a:solidFill>
           <a:schemeClr val="tx1"/>
         </a:solidFill>
@@ -63,8 +63,8 @@
         <a:cs typeface="+mn-cs"/>
       </a:defRPr>
     </a:lvl5pPr>
-    <a:lvl6pPr marL="2286000" algn="l" defTabSz="914400">
-      <a:defRPr sz="1800">
+    <a:lvl6pPr marL="2286000" algn="l" defTabSz="457200" rtl="0" eaLnBrk="1" latinLnBrk="0" hangingPunct="1">
+      <a:defRPr sz="1800" kern="1200">
         <a:solidFill>
           <a:schemeClr val="tx1"/>
         </a:solidFill>
@@ -73,8 +73,8 @@
         <a:cs typeface="+mn-cs"/>
       </a:defRPr>
     </a:lvl6pPr>
-    <a:lvl7pPr marL="2743200" algn="l" defTabSz="914400">
-      <a:defRPr sz="1800">
+    <a:lvl7pPr marL="2743200" algn="l" defTabSz="457200" rtl="0" eaLnBrk="1" latinLnBrk="0" hangingPunct="1">
+      <a:defRPr sz="1800" kern="1200">
         <a:solidFill>
           <a:schemeClr val="tx1"/>
         </a:solidFill>
@@ -83,8 +83,8 @@
         <a:cs typeface="+mn-cs"/>
       </a:defRPr>
     </a:lvl7pPr>
-    <a:lvl8pPr marL="3200400" algn="l" defTabSz="914400">
-      <a:defRPr sz="1800">
+    <a:lvl8pPr marL="3200400" algn="l" defTabSz="457200" rtl="0" eaLnBrk="1" latinLnBrk="0" hangingPunct="1">
+      <a:defRPr sz="1800" kern="1200">
         <a:solidFill>
           <a:schemeClr val="tx1"/>
         </a:solidFill>
@@ -93,8 +93,8 @@
         <a:cs typeface="+mn-cs"/>
       </a:defRPr>
     </a:lvl8pPr>
-    <a:lvl9pPr marL="3657600" algn="l" defTabSz="914400">
-      <a:defRPr sz="1800">
+    <a:lvl9pPr marL="3657600" algn="l" defTabSz="457200" rtl="0" eaLnBrk="1" latinLnBrk="0" hangingPunct="1">
+      <a:defRPr sz="1800" kern="1200">
         <a:solidFill>
           <a:schemeClr val="tx1"/>
         </a:solidFill>
@@ -108,7 +108,7 @@
 </file>
 
 <file path=ppt/slideLayouts/slideLayout1.xml><?xml version="1.0" encoding="utf-8"?>
-<p:sldLayout xmlns:a="http://schemas.openxmlformats.org/drawingml/2006/main" xmlns:r="http://schemas.openxmlformats.org/officeDocument/2006/relationships" xmlns:p="http://schemas.openxmlformats.org/presentationml/2006/main" xmlns:m="http://schemas.openxmlformats.org/officeDocument/2006/math" xmlns:w="http://schemas.openxmlformats.org/wordprocessingml/2006/main" matchingName="" preserve="0" showMasterPhAnim="0" type="title" userDrawn="1">
+<p:sldLayout xmlns:a="http://schemas.openxmlformats.org/drawingml/2006/main" xmlns:r="http://schemas.openxmlformats.org/officeDocument/2006/relationships" xmlns:p="http://schemas.openxmlformats.org/presentationml/2006/main" type="title" preserve="1">
   <p:cSld name="Title Slide">
     <p:spTree>
       <p:nvGrpSpPr>
@@ -116,7 +116,7 @@
         <p:cNvGrpSpPr/>
         <p:nvPr/>
       </p:nvGrpSpPr>
-      <p:grpSpPr bwMode="auto">
+      <p:grpSpPr>
         <a:xfrm>
           <a:off x="0" y="0"/>
           <a:ext cx="0" cy="0"/>
@@ -134,28 +134,21 @@
             <p:ph type="ctrTitle"/>
           </p:nvPr>
         </p:nvSpPr>
-        <p:spPr bwMode="auto">
+        <p:spPr>
           <a:xfrm>
-            <a:off x="1523999" y="1122362"/>
-            <a:ext cx="9144000" cy="2387599"/>
+            <a:off x="685800" y="2130425"/>
+            <a:ext cx="7772400" cy="1470025"/>
           </a:xfrm>
         </p:spPr>
         <p:txBody>
-          <a:bodyPr anchor="b"/>
-          <a:lstStyle>
-            <a:lvl1pPr algn="ctr">
-              <a:defRPr sz="4500"/>
-            </a:lvl1pPr>
-          </a:lstStyle>
-          <a:p>
-            <a:pPr>
-              <a:defRPr/>
-            </a:pPr>
-            <a:r>
-              <a:rPr/>
+          <a:bodyPr/>
+          <a:lstStyle/>
+          <a:p>
+            <a:r>
+              <a:rPr lang="en-US" smtClean="0"/>
               <a:t>Click to edit Master title style</a:t>
             </a:r>
-            <a:endParaRPr/>
+            <a:endParaRPr lang="en-US"/>
           </a:p>
         </p:txBody>
       </p:sp>
@@ -169,10 +162,10 @@
             <p:ph type="subTitle" idx="1"/>
           </p:nvPr>
         </p:nvSpPr>
-        <p:spPr bwMode="auto">
+        <p:spPr>
           <a:xfrm>
-            <a:off x="1523999" y="3602037"/>
-            <a:ext cx="9144000" cy="1655762"/>
+            <a:off x="1371600" y="3886200"/>
+            <a:ext cx="6400800" cy="1752600"/>
           </a:xfrm>
         </p:spPr>
         <p:txBody>
@@ -180,50 +173,101 @@
           <a:lstStyle>
             <a:lvl1pPr marL="0" indent="0" algn="ctr">
               <a:buNone/>
-              <a:defRPr sz="1800"/>
+              <a:defRPr>
+                <a:solidFill>
+                  <a:schemeClr val="tx1">
+                    <a:tint val="75000"/>
+                  </a:schemeClr>
+                </a:solidFill>
+              </a:defRPr>
             </a:lvl1pPr>
-            <a:lvl2pPr marL="342900" indent="0" algn="ctr">
-              <a:buNone/>
-              <a:defRPr sz="1500"/>
+            <a:lvl2pPr marL="457200" indent="0" algn="ctr">
+              <a:buNone/>
+              <a:defRPr>
+                <a:solidFill>
+                  <a:schemeClr val="tx1">
+                    <a:tint val="75000"/>
+                  </a:schemeClr>
+                </a:solidFill>
+              </a:defRPr>
             </a:lvl2pPr>
-            <a:lvl3pPr marL="685800" indent="0" algn="ctr">
-              <a:buNone/>
-              <a:defRPr sz="1350"/>
+            <a:lvl3pPr marL="914400" indent="0" algn="ctr">
+              <a:buNone/>
+              <a:defRPr>
+                <a:solidFill>
+                  <a:schemeClr val="tx1">
+                    <a:tint val="75000"/>
+                  </a:schemeClr>
+                </a:solidFill>
+              </a:defRPr>
             </a:lvl3pPr>
-            <a:lvl4pPr marL="1028700" indent="0" algn="ctr">
-              <a:buNone/>
-              <a:defRPr sz="1200"/>
+            <a:lvl4pPr marL="1371600" indent="0" algn="ctr">
+              <a:buNone/>
+              <a:defRPr>
+                <a:solidFill>
+                  <a:schemeClr val="tx1">
+                    <a:tint val="75000"/>
+                  </a:schemeClr>
+                </a:solidFill>
+              </a:defRPr>
             </a:lvl4pPr>
-            <a:lvl5pPr marL="1371600" indent="0" algn="ctr">
-              <a:buNone/>
-              <a:defRPr sz="1200"/>
+            <a:lvl5pPr marL="1828800" indent="0" algn="ctr">
+              <a:buNone/>
+              <a:defRPr>
+                <a:solidFill>
+                  <a:schemeClr val="tx1">
+                    <a:tint val="75000"/>
+                  </a:schemeClr>
+                </a:solidFill>
+              </a:defRPr>
             </a:lvl5pPr>
-            <a:lvl6pPr marL="1714500" indent="0" algn="ctr">
-              <a:buNone/>
-              <a:defRPr sz="1200"/>
+            <a:lvl6pPr marL="2286000" indent="0" algn="ctr">
+              <a:buNone/>
+              <a:defRPr>
+                <a:solidFill>
+                  <a:schemeClr val="tx1">
+                    <a:tint val="75000"/>
+                  </a:schemeClr>
+                </a:solidFill>
+              </a:defRPr>
             </a:lvl6pPr>
-            <a:lvl7pPr marL="2057400" indent="0" algn="ctr">
-              <a:buNone/>
-              <a:defRPr sz="1200"/>
+            <a:lvl7pPr marL="2743200" indent="0" algn="ctr">
+              <a:buNone/>
+              <a:defRPr>
+                <a:solidFill>
+                  <a:schemeClr val="tx1">
+                    <a:tint val="75000"/>
+                  </a:schemeClr>
+                </a:solidFill>
+              </a:defRPr>
             </a:lvl7pPr>
-            <a:lvl8pPr marL="2400300" indent="0" algn="ctr">
-              <a:buNone/>
-              <a:defRPr sz="1200"/>
+            <a:lvl8pPr marL="3200400" indent="0" algn="ctr">
+              <a:buNone/>
+              <a:defRPr>
+                <a:solidFill>
+                  <a:schemeClr val="tx1">
+                    <a:tint val="75000"/>
+                  </a:schemeClr>
+                </a:solidFill>
+              </a:defRPr>
             </a:lvl8pPr>
-            <a:lvl9pPr marL="2743200" indent="0" algn="ctr">
-              <a:buNone/>
-              <a:defRPr sz="1200"/>
+            <a:lvl9pPr marL="3657600" indent="0" algn="ctr">
+              <a:buNone/>
+              <a:defRPr>
+                <a:solidFill>
+                  <a:schemeClr val="tx1">
+                    <a:tint val="75000"/>
+                  </a:schemeClr>
+                </a:solidFill>
+              </a:defRPr>
             </a:lvl9pPr>
           </a:lstStyle>
           <a:p>
-            <a:pPr>
-              <a:defRPr/>
-            </a:pPr>
-            <a:r>
-              <a:rPr/>
+            <a:r>
+              <a:rPr lang="en-US" smtClean="0"/>
               <a:t>Click to edit Master subtitle style</a:t>
             </a:r>
-            <a:endParaRPr/>
+            <a:endParaRPr lang="en-US"/>
           </a:p>
         </p:txBody>
       </p:sp>
@@ -237,19 +281,16 @@
             <p:ph type="dt" sz="half" idx="10"/>
           </p:nvPr>
         </p:nvSpPr>
-        <p:spPr bwMode="auto"/>
-        <p:txBody>
-          <a:bodyPr/>
-          <a:lstStyle/>
-          <a:p>
-            <a:pPr>
-              <a:defRPr/>
-            </a:pPr>
-            <a:fld id="{BCC18F51-09EC-435C-A3BA-64A766E099C0}" type="datetimeFigureOut">
-              <a:rPr/>
-              <a:t/>
+        <p:spPr/>
+        <p:txBody>
+          <a:bodyPr/>
+          <a:lstStyle/>
+          <a:p>
+            <a:fld id="{5BCAD085-E8A6-8845-BD4E-CB4CCA059FC4}" type="datetimeFigureOut">
+              <a:rPr lang="en-US" smtClean="0"/>
+              <a:t>1/27/13</a:t>
             </a:fld>
-            <a:endParaRPr/>
+            <a:endParaRPr lang="en-US"/>
           </a:p>
         </p:txBody>
       </p:sp>
@@ -263,15 +304,12 @@
             <p:ph type="ftr" sz="quarter" idx="11"/>
           </p:nvPr>
         </p:nvSpPr>
-        <p:spPr bwMode="auto"/>
-        <p:txBody>
-          <a:bodyPr/>
-          <a:lstStyle/>
-          <a:p>
-            <a:pPr>
-              <a:defRPr/>
-            </a:pPr>
-            <a:endParaRPr/>
+        <p:spPr/>
+        <p:txBody>
+          <a:bodyPr/>
+          <a:lstStyle/>
+          <a:p>
+            <a:endParaRPr lang="en-US"/>
           </a:p>
         </p:txBody>
       </p:sp>
@@ -285,23 +323,25 @@
             <p:ph type="sldNum" sz="quarter" idx="12"/>
           </p:nvPr>
         </p:nvSpPr>
-        <p:spPr bwMode="auto"/>
-        <p:txBody>
-          <a:bodyPr/>
-          <a:lstStyle/>
-          <a:p>
-            <a:pPr>
-              <a:defRPr/>
-            </a:pPr>
-            <a:fld id="{08395586-F03A-48D1-94DF-16B239DF4FB5}" type="slidenum">
-              <a:rPr/>
-              <a:t/>
+        <p:spPr/>
+        <p:txBody>
+          <a:bodyPr/>
+          <a:lstStyle/>
+          <a:p>
+            <a:fld id="{C1FF6DA9-008F-8B48-92A6-B652298478BF}" type="slidenum">
+              <a:rPr lang="en-US" smtClean="0"/>
+              <a:t>‹#›</a:t>
             </a:fld>
-            <a:endParaRPr/>
+            <a:endParaRPr lang="en-US"/>
           </a:p>
         </p:txBody>
       </p:sp>
     </p:spTree>
+    <p:extLst>
+      <p:ext uri="{BB962C8B-B14F-4D97-AF65-F5344CB8AC3E}">
+        <p14:creationId xmlns:p14="http://schemas.microsoft.com/office/powerpoint/2010/main" val="3168075583"/>
+      </p:ext>
+    </p:extLst>
   </p:cSld>
   <p:clrMapOvr>
     <a:masterClrMapping/>
@@ -310,7 +350,7 @@
 </file>
 
 <file path=ppt/slideLayouts/slideLayout10.xml><?xml version="1.0" encoding="utf-8"?>
-<p:sldLayout xmlns:a="http://schemas.openxmlformats.org/drawingml/2006/main" xmlns:r="http://schemas.openxmlformats.org/officeDocument/2006/relationships" xmlns:p="http://schemas.openxmlformats.org/presentationml/2006/main" xmlns:m="http://schemas.openxmlformats.org/officeDocument/2006/math" xmlns:w="http://schemas.openxmlformats.org/wordprocessingml/2006/main" matchingName="" preserve="0" showMasterPhAnim="0" type="vertTx" userDrawn="1">
+<p:sldLayout xmlns:a="http://schemas.openxmlformats.org/drawingml/2006/main" xmlns:r="http://schemas.openxmlformats.org/officeDocument/2006/relationships" xmlns:p="http://schemas.openxmlformats.org/presentationml/2006/main" type="vertTx" preserve="1">
   <p:cSld name="Title and Vertical Text">
     <p:spTree>
       <p:nvGrpSpPr>
@@ -318,7 +358,7 @@
         <p:cNvGrpSpPr/>
         <p:nvPr/>
       </p:nvGrpSpPr>
-      <p:grpSpPr bwMode="auto">
+      <p:grpSpPr>
         <a:xfrm>
           <a:off x="0" y="0"/>
           <a:ext cx="0" cy="0"/>
@@ -336,19 +376,16 @@
             <p:ph type="title"/>
           </p:nvPr>
         </p:nvSpPr>
-        <p:spPr bwMode="auto"/>
-        <p:txBody>
-          <a:bodyPr/>
-          <a:lstStyle/>
-          <a:p>
-            <a:pPr>
-              <a:defRPr/>
-            </a:pPr>
-            <a:r>
-              <a:rPr/>
+        <p:spPr/>
+        <p:txBody>
+          <a:bodyPr/>
+          <a:lstStyle/>
+          <a:p>
+            <a:r>
+              <a:rPr lang="en-US" smtClean="0"/>
               <a:t>Click to edit Master title style</a:t>
             </a:r>
-            <a:endParaRPr/>
+            <a:endParaRPr lang="en-US"/>
           </a:p>
         </p:txBody>
       </p:sp>
@@ -362,59 +399,45 @@
             <p:ph type="body" orient="vert" idx="1"/>
           </p:nvPr>
         </p:nvSpPr>
-        <p:spPr bwMode="auto"/>
+        <p:spPr/>
         <p:txBody>
           <a:bodyPr vert="eaVert"/>
           <a:lstStyle/>
           <a:p>
-            <a:pPr lvl="0">
-              <a:defRPr/>
-            </a:pPr>
-            <a:r>
-              <a:rPr/>
+            <a:pPr lvl="0"/>
+            <a:r>
+              <a:rPr lang="en-US" smtClean="0"/>
               <a:t>Click to edit Master text styles</a:t>
             </a:r>
-            <a:endParaRPr/>
-          </a:p>
-          <a:p>
-            <a:pPr lvl="1">
-              <a:defRPr/>
-            </a:pPr>
-            <a:r>
-              <a:rPr/>
+          </a:p>
+          <a:p>
+            <a:pPr lvl="1"/>
+            <a:r>
+              <a:rPr lang="en-US" smtClean="0"/>
               <a:t>Second level</a:t>
             </a:r>
-            <a:endParaRPr/>
-          </a:p>
-          <a:p>
-            <a:pPr lvl="2">
-              <a:defRPr/>
-            </a:pPr>
-            <a:r>
-              <a:rPr/>
+          </a:p>
+          <a:p>
+            <a:pPr lvl="2"/>
+            <a:r>
+              <a:rPr lang="en-US" smtClean="0"/>
               <a:t>Third level</a:t>
             </a:r>
-            <a:endParaRPr/>
-          </a:p>
-          <a:p>
-            <a:pPr lvl="3">
-              <a:defRPr/>
-            </a:pPr>
-            <a:r>
-              <a:rPr/>
+          </a:p>
+          <a:p>
+            <a:pPr lvl="3"/>
+            <a:r>
+              <a:rPr lang="en-US" smtClean="0"/>
               <a:t>Fourth level</a:t>
             </a:r>
-            <a:endParaRPr/>
-          </a:p>
-          <a:p>
-            <a:pPr lvl="4">
-              <a:defRPr/>
-            </a:pPr>
-            <a:r>
-              <a:rPr/>
+          </a:p>
+          <a:p>
+            <a:pPr lvl="4"/>
+            <a:r>
+              <a:rPr lang="en-US" smtClean="0"/>
               <a:t>Fifth level</a:t>
             </a:r>
-            <a:endParaRPr/>
+            <a:endParaRPr lang="en-US"/>
           </a:p>
         </p:txBody>
       </p:sp>
@@ -428,19 +451,16 @@
             <p:ph type="dt" sz="half" idx="10"/>
           </p:nvPr>
         </p:nvSpPr>
-        <p:spPr bwMode="auto"/>
-        <p:txBody>
-          <a:bodyPr/>
-          <a:lstStyle/>
-          <a:p>
-            <a:pPr>
-              <a:defRPr/>
-            </a:pPr>
-            <a:fld id="{BCC18F51-09EC-435C-A3BA-64A766E099C0}" type="datetimeFigureOut">
-              <a:rPr/>
-              <a:t/>
+        <p:spPr/>
+        <p:txBody>
+          <a:bodyPr/>
+          <a:lstStyle/>
+          <a:p>
+            <a:fld id="{5BCAD085-E8A6-8845-BD4E-CB4CCA059FC4}" type="datetimeFigureOut">
+              <a:rPr lang="en-US" smtClean="0"/>
+              <a:t>1/27/13</a:t>
             </a:fld>
-            <a:endParaRPr/>
+            <a:endParaRPr lang="en-US"/>
           </a:p>
         </p:txBody>
       </p:sp>
@@ -454,15 +474,12 @@
             <p:ph type="ftr" sz="quarter" idx="11"/>
           </p:nvPr>
         </p:nvSpPr>
-        <p:spPr bwMode="auto"/>
-        <p:txBody>
-          <a:bodyPr/>
-          <a:lstStyle/>
-          <a:p>
-            <a:pPr>
-              <a:defRPr/>
-            </a:pPr>
-            <a:endParaRPr/>
+        <p:spPr/>
+        <p:txBody>
+          <a:bodyPr/>
+          <a:lstStyle/>
+          <a:p>
+            <a:endParaRPr lang="en-US"/>
           </a:p>
         </p:txBody>
       </p:sp>
@@ -476,23 +493,25 @@
             <p:ph type="sldNum" sz="quarter" idx="12"/>
           </p:nvPr>
         </p:nvSpPr>
-        <p:spPr bwMode="auto"/>
-        <p:txBody>
-          <a:bodyPr/>
-          <a:lstStyle/>
-          <a:p>
-            <a:pPr>
-              <a:defRPr/>
-            </a:pPr>
-            <a:fld id="{08395586-F03A-48D1-94DF-16B239DF4FB5}" type="slidenum">
-              <a:rPr/>
-              <a:t/>
+        <p:spPr/>
+        <p:txBody>
+          <a:bodyPr/>
+          <a:lstStyle/>
+          <a:p>
+            <a:fld id="{C1FF6DA9-008F-8B48-92A6-B652298478BF}" type="slidenum">
+              <a:rPr lang="en-US" smtClean="0"/>
+              <a:t>‹#›</a:t>
             </a:fld>
-            <a:endParaRPr/>
+            <a:endParaRPr lang="en-US"/>
           </a:p>
         </p:txBody>
       </p:sp>
     </p:spTree>
+    <p:extLst>
+      <p:ext uri="{BB962C8B-B14F-4D97-AF65-F5344CB8AC3E}">
+        <p14:creationId xmlns:p14="http://schemas.microsoft.com/office/powerpoint/2010/main" val="2910927964"/>
+      </p:ext>
+    </p:extLst>
   </p:cSld>
   <p:clrMapOvr>
     <a:masterClrMapping/>
@@ -501,7 +520,7 @@
 </file>
 
 <file path=ppt/slideLayouts/slideLayout11.xml><?xml version="1.0" encoding="utf-8"?>
-<p:sldLayout xmlns:a="http://schemas.openxmlformats.org/drawingml/2006/main" xmlns:r="http://schemas.openxmlformats.org/officeDocument/2006/relationships" xmlns:p="http://schemas.openxmlformats.org/presentationml/2006/main" xmlns:m="http://schemas.openxmlformats.org/officeDocument/2006/math" xmlns:w="http://schemas.openxmlformats.org/wordprocessingml/2006/main" matchingName="" preserve="0" showMasterPhAnim="0" type="vertTitleAndTx" userDrawn="1">
+<p:sldLayout xmlns:a="http://schemas.openxmlformats.org/drawingml/2006/main" xmlns:r="http://schemas.openxmlformats.org/officeDocument/2006/relationships" xmlns:p="http://schemas.openxmlformats.org/presentationml/2006/main" type="vertTitleAndTx" preserve="1">
   <p:cSld name="Vertical Title and Text">
     <p:spTree>
       <p:nvGrpSpPr>
@@ -509,7 +528,7 @@
         <p:cNvGrpSpPr/>
         <p:nvPr/>
       </p:nvGrpSpPr>
-      <p:grpSpPr bwMode="auto">
+      <p:grpSpPr>
         <a:xfrm>
           <a:off x="0" y="0"/>
           <a:ext cx="0" cy="0"/>
@@ -527,24 +546,21 @@
             <p:ph type="title" orient="vert"/>
           </p:nvPr>
         </p:nvSpPr>
-        <p:spPr bwMode="auto">
+        <p:spPr>
           <a:xfrm>
-            <a:off x="8724899" y="365125"/>
-            <a:ext cx="2628900" cy="5811838"/>
+            <a:off x="6629400" y="274638"/>
+            <a:ext cx="2057400" cy="5851525"/>
           </a:xfrm>
         </p:spPr>
         <p:txBody>
           <a:bodyPr vert="eaVert"/>
           <a:lstStyle/>
           <a:p>
-            <a:pPr>
-              <a:defRPr/>
-            </a:pPr>
-            <a:r>
-              <a:rPr/>
+            <a:r>
+              <a:rPr lang="en-US" smtClean="0"/>
               <a:t>Click to edit Master title style</a:t>
             </a:r>
-            <a:endParaRPr/>
+            <a:endParaRPr lang="en-US"/>
           </a:p>
         </p:txBody>
       </p:sp>
@@ -558,64 +574,50 @@
             <p:ph type="body" orient="vert" idx="1"/>
           </p:nvPr>
         </p:nvSpPr>
-        <p:spPr bwMode="auto">
+        <p:spPr>
           <a:xfrm>
-            <a:off x="838199" y="365125"/>
-            <a:ext cx="7734299" cy="5811838"/>
+            <a:off x="457200" y="274638"/>
+            <a:ext cx="6019800" cy="5851525"/>
           </a:xfrm>
         </p:spPr>
         <p:txBody>
           <a:bodyPr vert="eaVert"/>
           <a:lstStyle/>
           <a:p>
-            <a:pPr lvl="0">
-              <a:defRPr/>
-            </a:pPr>
-            <a:r>
-              <a:rPr/>
+            <a:pPr lvl="0"/>
+            <a:r>
+              <a:rPr lang="en-US" smtClean="0"/>
               <a:t>Click to edit Master text styles</a:t>
             </a:r>
-            <a:endParaRPr/>
-          </a:p>
-          <a:p>
-            <a:pPr lvl="1">
-              <a:defRPr/>
-            </a:pPr>
-            <a:r>
-              <a:rPr/>
+          </a:p>
+          <a:p>
+            <a:pPr lvl="1"/>
+            <a:r>
+              <a:rPr lang="en-US" smtClean="0"/>
               <a:t>Second level</a:t>
             </a:r>
-            <a:endParaRPr/>
-          </a:p>
-          <a:p>
-            <a:pPr lvl="2">
-              <a:defRPr/>
-            </a:pPr>
-            <a:r>
-              <a:rPr/>
+          </a:p>
+          <a:p>
+            <a:pPr lvl="2"/>
+            <a:r>
+              <a:rPr lang="en-US" smtClean="0"/>
               <a:t>Third level</a:t>
             </a:r>
-            <a:endParaRPr/>
-          </a:p>
-          <a:p>
-            <a:pPr lvl="3">
-              <a:defRPr/>
-            </a:pPr>
-            <a:r>
-              <a:rPr/>
+          </a:p>
+          <a:p>
+            <a:pPr lvl="3"/>
+            <a:r>
+              <a:rPr lang="en-US" smtClean="0"/>
               <a:t>Fourth level</a:t>
             </a:r>
-            <a:endParaRPr/>
-          </a:p>
-          <a:p>
-            <a:pPr lvl="4">
-              <a:defRPr/>
-            </a:pPr>
-            <a:r>
-              <a:rPr/>
+          </a:p>
+          <a:p>
+            <a:pPr lvl="4"/>
+            <a:r>
+              <a:rPr lang="en-US" smtClean="0"/>
               <a:t>Fifth level</a:t>
             </a:r>
-            <a:endParaRPr/>
+            <a:endParaRPr lang="en-US"/>
           </a:p>
         </p:txBody>
       </p:sp>
@@ -629,19 +631,16 @@
             <p:ph type="dt" sz="half" idx="10"/>
           </p:nvPr>
         </p:nvSpPr>
-        <p:spPr bwMode="auto"/>
-        <p:txBody>
-          <a:bodyPr/>
-          <a:lstStyle/>
-          <a:p>
-            <a:pPr>
-              <a:defRPr/>
-            </a:pPr>
-            <a:fld id="{BCC18F51-09EC-435C-A3BA-64A766E099C0}" type="datetimeFigureOut">
-              <a:rPr/>
-              <a:t/>
+        <p:spPr/>
+        <p:txBody>
+          <a:bodyPr/>
+          <a:lstStyle/>
+          <a:p>
+            <a:fld id="{5BCAD085-E8A6-8845-BD4E-CB4CCA059FC4}" type="datetimeFigureOut">
+              <a:rPr lang="en-US" smtClean="0"/>
+              <a:t>1/27/13</a:t>
             </a:fld>
-            <a:endParaRPr/>
+            <a:endParaRPr lang="en-US"/>
           </a:p>
         </p:txBody>
       </p:sp>
@@ -655,15 +654,12 @@
             <p:ph type="ftr" sz="quarter" idx="11"/>
           </p:nvPr>
         </p:nvSpPr>
-        <p:spPr bwMode="auto"/>
-        <p:txBody>
-          <a:bodyPr/>
-          <a:lstStyle/>
-          <a:p>
-            <a:pPr>
-              <a:defRPr/>
-            </a:pPr>
-            <a:endParaRPr/>
+        <p:spPr/>
+        <p:txBody>
+          <a:bodyPr/>
+          <a:lstStyle/>
+          <a:p>
+            <a:endParaRPr lang="en-US"/>
           </a:p>
         </p:txBody>
       </p:sp>
@@ -677,23 +673,25 @@
             <p:ph type="sldNum" sz="quarter" idx="12"/>
           </p:nvPr>
         </p:nvSpPr>
-        <p:spPr bwMode="auto"/>
-        <p:txBody>
-          <a:bodyPr/>
-          <a:lstStyle/>
-          <a:p>
-            <a:pPr>
-              <a:defRPr/>
-            </a:pPr>
-            <a:fld id="{08395586-F03A-48D1-94DF-16B239DF4FB5}" type="slidenum">
-              <a:rPr/>
-              <a:t/>
+        <p:spPr/>
+        <p:txBody>
+          <a:bodyPr/>
+          <a:lstStyle/>
+          <a:p>
+            <a:fld id="{C1FF6DA9-008F-8B48-92A6-B652298478BF}" type="slidenum">
+              <a:rPr lang="en-US" smtClean="0"/>
+              <a:t>‹#›</a:t>
             </a:fld>
-            <a:endParaRPr/>
+            <a:endParaRPr lang="en-US"/>
           </a:p>
         </p:txBody>
       </p:sp>
     </p:spTree>
+    <p:extLst>
+      <p:ext uri="{BB962C8B-B14F-4D97-AF65-F5344CB8AC3E}">
+        <p14:creationId xmlns:p14="http://schemas.microsoft.com/office/powerpoint/2010/main" val="3612223792"/>
+      </p:ext>
+    </p:extLst>
   </p:cSld>
   <p:clrMapOvr>
     <a:masterClrMapping/>
@@ -702,7 +700,7 @@
 </file>
 
 <file path=ppt/slideLayouts/slideLayout2.xml><?xml version="1.0" encoding="utf-8"?>
-<p:sldLayout xmlns:a="http://schemas.openxmlformats.org/drawingml/2006/main" xmlns:r="http://schemas.openxmlformats.org/officeDocument/2006/relationships" xmlns:p="http://schemas.openxmlformats.org/presentationml/2006/main" xmlns:m="http://schemas.openxmlformats.org/officeDocument/2006/math" xmlns:w="http://schemas.openxmlformats.org/wordprocessingml/2006/main" matchingName="" preserve="0" showMasterPhAnim="0" type="obj" userDrawn="1">
+<p:sldLayout xmlns:a="http://schemas.openxmlformats.org/drawingml/2006/main" xmlns:r="http://schemas.openxmlformats.org/officeDocument/2006/relationships" xmlns:p="http://schemas.openxmlformats.org/presentationml/2006/main" type="obj" preserve="1">
   <p:cSld name="Title and Content">
     <p:spTree>
       <p:nvGrpSpPr>
@@ -710,7 +708,7 @@
         <p:cNvGrpSpPr/>
         <p:nvPr/>
       </p:nvGrpSpPr>
-      <p:grpSpPr bwMode="auto">
+      <p:grpSpPr>
         <a:xfrm>
           <a:off x="0" y="0"/>
           <a:ext cx="0" cy="0"/>
@@ -728,19 +726,16 @@
             <p:ph type="title"/>
           </p:nvPr>
         </p:nvSpPr>
-        <p:spPr bwMode="auto"/>
-        <p:txBody>
-          <a:bodyPr/>
-          <a:lstStyle/>
-          <a:p>
-            <a:pPr>
-              <a:defRPr/>
-            </a:pPr>
-            <a:r>
-              <a:rPr/>
+        <p:spPr/>
+        <p:txBody>
+          <a:bodyPr/>
+          <a:lstStyle/>
+          <a:p>
+            <a:r>
+              <a:rPr lang="en-US" smtClean="0"/>
               <a:t>Click to edit Master title style</a:t>
             </a:r>
-            <a:endParaRPr/>
+            <a:endParaRPr lang="en-US"/>
           </a:p>
         </p:txBody>
       </p:sp>
@@ -754,59 +749,45 @@
             <p:ph idx="1"/>
           </p:nvPr>
         </p:nvSpPr>
-        <p:spPr bwMode="auto"/>
-        <p:txBody>
-          <a:bodyPr/>
-          <a:lstStyle/>
-          <a:p>
-            <a:pPr lvl="0">
-              <a:defRPr/>
-            </a:pPr>
-            <a:r>
-              <a:rPr/>
+        <p:spPr/>
+        <p:txBody>
+          <a:bodyPr/>
+          <a:lstStyle/>
+          <a:p>
+            <a:pPr lvl="0"/>
+            <a:r>
+              <a:rPr lang="en-US" smtClean="0"/>
               <a:t>Click to edit Master text styles</a:t>
             </a:r>
-            <a:endParaRPr/>
-          </a:p>
-          <a:p>
-            <a:pPr lvl="1">
-              <a:defRPr/>
-            </a:pPr>
-            <a:r>
-              <a:rPr/>
+          </a:p>
+          <a:p>
+            <a:pPr lvl="1"/>
+            <a:r>
+              <a:rPr lang="en-US" smtClean="0"/>
               <a:t>Second level</a:t>
             </a:r>
-            <a:endParaRPr/>
-          </a:p>
-          <a:p>
-            <a:pPr lvl="2">
-              <a:defRPr/>
-            </a:pPr>
-            <a:r>
-              <a:rPr/>
+          </a:p>
+          <a:p>
+            <a:pPr lvl="2"/>
+            <a:r>
+              <a:rPr lang="en-US" smtClean="0"/>
               <a:t>Third level</a:t>
             </a:r>
-            <a:endParaRPr/>
-          </a:p>
-          <a:p>
-            <a:pPr lvl="3">
-              <a:defRPr/>
-            </a:pPr>
-            <a:r>
-              <a:rPr/>
+          </a:p>
+          <a:p>
+            <a:pPr lvl="3"/>
+            <a:r>
+              <a:rPr lang="en-US" smtClean="0"/>
               <a:t>Fourth level</a:t>
             </a:r>
-            <a:endParaRPr/>
-          </a:p>
-          <a:p>
-            <a:pPr lvl="4">
-              <a:defRPr/>
-            </a:pPr>
-            <a:r>
-              <a:rPr/>
+          </a:p>
+          <a:p>
+            <a:pPr lvl="4"/>
+            <a:r>
+              <a:rPr lang="en-US" smtClean="0"/>
               <a:t>Fifth level</a:t>
             </a:r>
-            <a:endParaRPr/>
+            <a:endParaRPr lang="en-US"/>
           </a:p>
         </p:txBody>
       </p:sp>
@@ -820,19 +801,16 @@
             <p:ph type="dt" sz="half" idx="10"/>
           </p:nvPr>
         </p:nvSpPr>
-        <p:spPr bwMode="auto"/>
-        <p:txBody>
-          <a:bodyPr/>
-          <a:lstStyle/>
-          <a:p>
-            <a:pPr>
-              <a:defRPr/>
-            </a:pPr>
-            <a:fld id="{BCC18F51-09EC-435C-A3BA-64A766E099C0}" type="datetimeFigureOut">
-              <a:rPr/>
-              <a:t/>
+        <p:spPr/>
+        <p:txBody>
+          <a:bodyPr/>
+          <a:lstStyle/>
+          <a:p>
+            <a:fld id="{5BCAD085-E8A6-8845-BD4E-CB4CCA059FC4}" type="datetimeFigureOut">
+              <a:rPr lang="en-US" smtClean="0"/>
+              <a:t>1/27/13</a:t>
             </a:fld>
-            <a:endParaRPr/>
+            <a:endParaRPr lang="en-US"/>
           </a:p>
         </p:txBody>
       </p:sp>
@@ -846,15 +824,12 @@
             <p:ph type="ftr" sz="quarter" idx="11"/>
           </p:nvPr>
         </p:nvSpPr>
-        <p:spPr bwMode="auto"/>
-        <p:txBody>
-          <a:bodyPr/>
-          <a:lstStyle/>
-          <a:p>
-            <a:pPr>
-              <a:defRPr/>
-            </a:pPr>
-            <a:endParaRPr/>
+        <p:spPr/>
+        <p:txBody>
+          <a:bodyPr/>
+          <a:lstStyle/>
+          <a:p>
+            <a:endParaRPr lang="en-US"/>
           </a:p>
         </p:txBody>
       </p:sp>
@@ -868,23 +843,25 @@
             <p:ph type="sldNum" sz="quarter" idx="12"/>
           </p:nvPr>
         </p:nvSpPr>
-        <p:spPr bwMode="auto"/>
-        <p:txBody>
-          <a:bodyPr/>
-          <a:lstStyle/>
-          <a:p>
-            <a:pPr>
-              <a:defRPr/>
-            </a:pPr>
-            <a:fld id="{08395586-F03A-48D1-94DF-16B239DF4FB5}" type="slidenum">
-              <a:rPr/>
-              <a:t/>
+        <p:spPr/>
+        <p:txBody>
+          <a:bodyPr/>
+          <a:lstStyle/>
+          <a:p>
+            <a:fld id="{C1FF6DA9-008F-8B48-92A6-B652298478BF}" type="slidenum">
+              <a:rPr lang="en-US" smtClean="0"/>
+              <a:t>‹#›</a:t>
             </a:fld>
-            <a:endParaRPr/>
+            <a:endParaRPr lang="en-US"/>
           </a:p>
         </p:txBody>
       </p:sp>
     </p:spTree>
+    <p:extLst>
+      <p:ext uri="{BB962C8B-B14F-4D97-AF65-F5344CB8AC3E}">
+        <p14:creationId xmlns:p14="http://schemas.microsoft.com/office/powerpoint/2010/main" val="2614314258"/>
+      </p:ext>
+    </p:extLst>
   </p:cSld>
   <p:clrMapOvr>
     <a:masterClrMapping/>
@@ -893,7 +870,7 @@
 </file>
 
 <file path=ppt/slideLayouts/slideLayout3.xml><?xml version="1.0" encoding="utf-8"?>
-<p:sldLayout xmlns:a="http://schemas.openxmlformats.org/drawingml/2006/main" xmlns:r="http://schemas.openxmlformats.org/officeDocument/2006/relationships" xmlns:p="http://schemas.openxmlformats.org/presentationml/2006/main" xmlns:m="http://schemas.openxmlformats.org/officeDocument/2006/math" xmlns:w="http://schemas.openxmlformats.org/wordprocessingml/2006/main" matchingName="" preserve="0" showMasterPhAnim="0" type="secHead" userDrawn="1">
+<p:sldLayout xmlns:a="http://schemas.openxmlformats.org/drawingml/2006/main" xmlns:r="http://schemas.openxmlformats.org/officeDocument/2006/relationships" xmlns:p="http://schemas.openxmlformats.org/presentationml/2006/main" type="secHead" preserve="1">
   <p:cSld name="Section Header">
     <p:spTree>
       <p:nvGrpSpPr>
@@ -901,7 +878,7 @@
         <p:cNvGrpSpPr/>
         <p:nvPr/>
       </p:nvGrpSpPr>
-      <p:grpSpPr bwMode="auto">
+      <p:grpSpPr>
         <a:xfrm>
           <a:off x="0" y="0"/>
           <a:ext cx="0" cy="0"/>
@@ -919,51 +896,58 @@
             <p:ph type="title"/>
           </p:nvPr>
         </p:nvSpPr>
-        <p:spPr bwMode="auto">
+        <p:spPr>
           <a:xfrm>
-            <a:off x="831850" y="1709738"/>
-            <a:ext cx="10515600" cy="2852737"/>
+            <a:off x="722313" y="4406900"/>
+            <a:ext cx="7772400" cy="1362075"/>
           </a:xfrm>
         </p:spPr>
         <p:txBody>
+          <a:bodyPr anchor="t"/>
+          <a:lstStyle>
+            <a:lvl1pPr algn="l">
+              <a:defRPr sz="4000" b="1" cap="all"/>
+            </a:lvl1pPr>
+          </a:lstStyle>
+          <a:p>
+            <a:r>
+              <a:rPr lang="en-US" smtClean="0"/>
+              <a:t>Click to edit Master title style</a:t>
+            </a:r>
+            <a:endParaRPr lang="en-US"/>
+          </a:p>
+        </p:txBody>
+      </p:sp>
+      <p:sp>
+        <p:nvSpPr>
+          <p:cNvPr id="3" name="Text Placeholder 2"/>
+          <p:cNvSpPr>
+            <a:spLocks noGrp="1"/>
+          </p:cNvSpPr>
+          <p:nvPr>
+            <p:ph type="body" idx="1"/>
+          </p:nvPr>
+        </p:nvSpPr>
+        <p:spPr>
+          <a:xfrm>
+            <a:off x="722313" y="2906713"/>
+            <a:ext cx="7772400" cy="1500187"/>
+          </a:xfrm>
+        </p:spPr>
+        <p:txBody>
           <a:bodyPr anchor="b"/>
           <a:lstStyle>
-            <a:lvl1pPr>
-              <a:defRPr sz="4500"/>
+            <a:lvl1pPr marL="0" indent="0">
+              <a:buNone/>
+              <a:defRPr sz="2000">
+                <a:solidFill>
+                  <a:schemeClr val="tx1">
+                    <a:tint val="75000"/>
+                  </a:schemeClr>
+                </a:solidFill>
+              </a:defRPr>
             </a:lvl1pPr>
-          </a:lstStyle>
-          <a:p>
-            <a:pPr>
-              <a:defRPr/>
-            </a:pPr>
-            <a:r>
-              <a:rPr/>
-              <a:t>Click to edit Master title style</a:t>
-            </a:r>
-            <a:endParaRPr/>
-          </a:p>
-        </p:txBody>
-      </p:sp>
-      <p:sp>
-        <p:nvSpPr>
-          <p:cNvPr id="3" name="Text Placeholder 2"/>
-          <p:cNvSpPr>
-            <a:spLocks noGrp="1"/>
-          </p:cNvSpPr>
-          <p:nvPr>
-            <p:ph type="body" idx="1"/>
-          </p:nvPr>
-        </p:nvSpPr>
-        <p:spPr bwMode="auto">
-          <a:xfrm>
-            <a:off x="831850" y="4589463"/>
-            <a:ext cx="10515600" cy="1500186"/>
-          </a:xfrm>
-        </p:spPr>
-        <p:txBody>
-          <a:bodyPr/>
-          <a:lstStyle>
-            <a:lvl1pPr marL="0" indent="0">
+            <a:lvl2pPr marL="457200" indent="0">
               <a:buNone/>
               <a:defRPr sz="1800">
                 <a:solidFill>
@@ -972,20 +956,10 @@
                   </a:schemeClr>
                 </a:solidFill>
               </a:defRPr>
-            </a:lvl1pPr>
-            <a:lvl2pPr marL="342900" indent="0">
-              <a:buNone/>
-              <a:defRPr sz="1500">
-                <a:solidFill>
-                  <a:schemeClr val="tx1">
-                    <a:tint val="75000"/>
-                  </a:schemeClr>
-                </a:solidFill>
-              </a:defRPr>
             </a:lvl2pPr>
-            <a:lvl3pPr marL="685800" indent="0">
-              <a:buNone/>
-              <a:defRPr sz="1350">
+            <a:lvl3pPr marL="914400" indent="0">
+              <a:buNone/>
+              <a:defRPr sz="1600">
                 <a:solidFill>
                   <a:schemeClr val="tx1">
                     <a:tint val="75000"/>
@@ -993,9 +967,9 @@
                 </a:solidFill>
               </a:defRPr>
             </a:lvl3pPr>
-            <a:lvl4pPr marL="1028700" indent="0">
-              <a:buNone/>
-              <a:defRPr sz="1200">
+            <a:lvl4pPr marL="1371600" indent="0">
+              <a:buNone/>
+              <a:defRPr sz="1400">
                 <a:solidFill>
                   <a:schemeClr val="tx1">
                     <a:tint val="75000"/>
@@ -1003,9 +977,9 @@
                 </a:solidFill>
               </a:defRPr>
             </a:lvl4pPr>
-            <a:lvl5pPr marL="1371600" indent="0">
-              <a:buNone/>
-              <a:defRPr sz="1200">
+            <a:lvl5pPr marL="1828800" indent="0">
+              <a:buNone/>
+              <a:defRPr sz="1400">
                 <a:solidFill>
                   <a:schemeClr val="tx1">
                     <a:tint val="75000"/>
@@ -1013,9 +987,9 @@
                 </a:solidFill>
               </a:defRPr>
             </a:lvl5pPr>
-            <a:lvl6pPr marL="1714500" indent="0">
-              <a:buNone/>
-              <a:defRPr sz="1200">
+            <a:lvl6pPr marL="2286000" indent="0">
+              <a:buNone/>
+              <a:defRPr sz="1400">
                 <a:solidFill>
                   <a:schemeClr val="tx1">
                     <a:tint val="75000"/>
@@ -1023,9 +997,9 @@
                 </a:solidFill>
               </a:defRPr>
             </a:lvl6pPr>
-            <a:lvl7pPr marL="2057400" indent="0">
-              <a:buNone/>
-              <a:defRPr sz="1200">
+            <a:lvl7pPr marL="2743200" indent="0">
+              <a:buNone/>
+              <a:defRPr sz="1400">
                 <a:solidFill>
                   <a:schemeClr val="tx1">
                     <a:tint val="75000"/>
@@ -1033,9 +1007,9 @@
                 </a:solidFill>
               </a:defRPr>
             </a:lvl7pPr>
-            <a:lvl8pPr marL="2400300" indent="0">
-              <a:buNone/>
-              <a:defRPr sz="1200">
+            <a:lvl8pPr marL="3200400" indent="0">
+              <a:buNone/>
+              <a:defRPr sz="1400">
                 <a:solidFill>
                   <a:schemeClr val="tx1">
                     <a:tint val="75000"/>
@@ -1043,9 +1017,9 @@
                 </a:solidFill>
               </a:defRPr>
             </a:lvl8pPr>
-            <a:lvl9pPr marL="2743200" indent="0">
-              <a:buNone/>
-              <a:defRPr sz="1200">
+            <a:lvl9pPr marL="3657600" indent="0">
+              <a:buNone/>
+              <a:defRPr sz="1400">
                 <a:solidFill>
                   <a:schemeClr val="tx1">
                     <a:tint val="75000"/>
@@ -1055,14 +1029,11 @@
             </a:lvl9pPr>
           </a:lstStyle>
           <a:p>
-            <a:pPr lvl="0">
-              <a:defRPr/>
-            </a:pPr>
-            <a:r>
-              <a:rPr/>
+            <a:pPr lvl="0"/>
+            <a:r>
+              <a:rPr lang="en-US" smtClean="0"/>
               <a:t>Click to edit Master text styles</a:t>
             </a:r>
-            <a:endParaRPr/>
           </a:p>
         </p:txBody>
       </p:sp>
@@ -1076,19 +1047,16 @@
             <p:ph type="dt" sz="half" idx="10"/>
           </p:nvPr>
         </p:nvSpPr>
-        <p:spPr bwMode="auto"/>
-        <p:txBody>
-          <a:bodyPr/>
-          <a:lstStyle/>
-          <a:p>
-            <a:pPr>
-              <a:defRPr/>
-            </a:pPr>
-            <a:fld id="{BCC18F51-09EC-435C-A3BA-64A766E099C0}" type="datetimeFigureOut">
-              <a:rPr/>
-              <a:t/>
+        <p:spPr/>
+        <p:txBody>
+          <a:bodyPr/>
+          <a:lstStyle/>
+          <a:p>
+            <a:fld id="{5BCAD085-E8A6-8845-BD4E-CB4CCA059FC4}" type="datetimeFigureOut">
+              <a:rPr lang="en-US" smtClean="0"/>
+              <a:t>1/27/13</a:t>
             </a:fld>
-            <a:endParaRPr/>
+            <a:endParaRPr lang="en-US"/>
           </a:p>
         </p:txBody>
       </p:sp>
@@ -1102,15 +1070,12 @@
             <p:ph type="ftr" sz="quarter" idx="11"/>
           </p:nvPr>
         </p:nvSpPr>
-        <p:spPr bwMode="auto"/>
-        <p:txBody>
-          <a:bodyPr/>
-          <a:lstStyle/>
-          <a:p>
-            <a:pPr>
-              <a:defRPr/>
-            </a:pPr>
-            <a:endParaRPr/>
+        <p:spPr/>
+        <p:txBody>
+          <a:bodyPr/>
+          <a:lstStyle/>
+          <a:p>
+            <a:endParaRPr lang="en-US"/>
           </a:p>
         </p:txBody>
       </p:sp>
@@ -1124,23 +1089,25 @@
             <p:ph type="sldNum" sz="quarter" idx="12"/>
           </p:nvPr>
         </p:nvSpPr>
-        <p:spPr bwMode="auto"/>
-        <p:txBody>
-          <a:bodyPr/>
-          <a:lstStyle/>
-          <a:p>
-            <a:pPr>
-              <a:defRPr/>
-            </a:pPr>
-            <a:fld id="{08395586-F03A-48D1-94DF-16B239DF4FB5}" type="slidenum">
-              <a:rPr/>
-              <a:t/>
+        <p:spPr/>
+        <p:txBody>
+          <a:bodyPr/>
+          <a:lstStyle/>
+          <a:p>
+            <a:fld id="{C1FF6DA9-008F-8B48-92A6-B652298478BF}" type="slidenum">
+              <a:rPr lang="en-US" smtClean="0"/>
+              <a:t>‹#›</a:t>
             </a:fld>
-            <a:endParaRPr/>
+            <a:endParaRPr lang="en-US"/>
           </a:p>
         </p:txBody>
       </p:sp>
     </p:spTree>
+    <p:extLst>
+      <p:ext uri="{BB962C8B-B14F-4D97-AF65-F5344CB8AC3E}">
+        <p14:creationId xmlns:p14="http://schemas.microsoft.com/office/powerpoint/2010/main" val="960648375"/>
+      </p:ext>
+    </p:extLst>
   </p:cSld>
   <p:clrMapOvr>
     <a:masterClrMapping/>
@@ -1149,7 +1116,7 @@
 </file>
 
 <file path=ppt/slideLayouts/slideLayout4.xml><?xml version="1.0" encoding="utf-8"?>
-<p:sldLayout xmlns:a="http://schemas.openxmlformats.org/drawingml/2006/main" xmlns:r="http://schemas.openxmlformats.org/officeDocument/2006/relationships" xmlns:p="http://schemas.openxmlformats.org/presentationml/2006/main" xmlns:m="http://schemas.openxmlformats.org/officeDocument/2006/math" xmlns:w="http://schemas.openxmlformats.org/wordprocessingml/2006/main" matchingName="" preserve="0" showMasterPhAnim="0" type="twoObj" userDrawn="1">
+<p:sldLayout xmlns:a="http://schemas.openxmlformats.org/drawingml/2006/main" xmlns:r="http://schemas.openxmlformats.org/officeDocument/2006/relationships" xmlns:p="http://schemas.openxmlformats.org/presentationml/2006/main" type="twoObj" preserve="1">
   <p:cSld name="Two Content">
     <p:spTree>
       <p:nvGrpSpPr>
@@ -1157,7 +1124,7 @@
         <p:cNvGrpSpPr/>
         <p:nvPr/>
       </p:nvGrpSpPr>
-      <p:grpSpPr bwMode="auto">
+      <p:grpSpPr>
         <a:xfrm>
           <a:off x="0" y="0"/>
           <a:ext cx="0" cy="0"/>
@@ -1175,19 +1142,16 @@
             <p:ph type="title"/>
           </p:nvPr>
         </p:nvSpPr>
-        <p:spPr bwMode="auto"/>
-        <p:txBody>
-          <a:bodyPr/>
-          <a:lstStyle/>
-          <a:p>
-            <a:pPr>
-              <a:defRPr/>
-            </a:pPr>
-            <a:r>
-              <a:rPr/>
+        <p:spPr/>
+        <p:txBody>
+          <a:bodyPr/>
+          <a:lstStyle/>
+          <a:p>
+            <a:r>
+              <a:rPr lang="en-US" smtClean="0"/>
               <a:t>Click to edit Master title style</a:t>
             </a:r>
-            <a:endParaRPr/>
+            <a:endParaRPr lang="en-US"/>
           </a:p>
         </p:txBody>
       </p:sp>
@@ -1201,64 +1165,78 @@
             <p:ph sz="half" idx="1"/>
           </p:nvPr>
         </p:nvSpPr>
-        <p:spPr bwMode="auto">
+        <p:spPr>
           <a:xfrm>
-            <a:off x="838199" y="1825625"/>
-            <a:ext cx="5181599" cy="4351338"/>
+            <a:off x="457200" y="1600200"/>
+            <a:ext cx="4038600" cy="4525963"/>
           </a:xfrm>
         </p:spPr>
         <p:txBody>
           <a:bodyPr/>
-          <a:lstStyle/>
-          <a:p>
-            <a:pPr lvl="0">
-              <a:defRPr/>
-            </a:pPr>
-            <a:r>
-              <a:rPr/>
+          <a:lstStyle>
+            <a:lvl1pPr>
+              <a:defRPr sz="2800"/>
+            </a:lvl1pPr>
+            <a:lvl2pPr>
+              <a:defRPr sz="2400"/>
+            </a:lvl2pPr>
+            <a:lvl3pPr>
+              <a:defRPr sz="2000"/>
+            </a:lvl3pPr>
+            <a:lvl4pPr>
+              <a:defRPr sz="1800"/>
+            </a:lvl4pPr>
+            <a:lvl5pPr>
+              <a:defRPr sz="1800"/>
+            </a:lvl5pPr>
+            <a:lvl6pPr>
+              <a:defRPr sz="1800"/>
+            </a:lvl6pPr>
+            <a:lvl7pPr>
+              <a:defRPr sz="1800"/>
+            </a:lvl7pPr>
+            <a:lvl8pPr>
+              <a:defRPr sz="1800"/>
+            </a:lvl8pPr>
+            <a:lvl9pPr>
+              <a:defRPr sz="1800"/>
+            </a:lvl9pPr>
+          </a:lstStyle>
+          <a:p>
+            <a:pPr lvl="0"/>
+            <a:r>
+              <a:rPr lang="en-US" smtClean="0"/>
               <a:t>Click to edit Master text styles</a:t>
             </a:r>
-            <a:endParaRPr/>
-          </a:p>
-          <a:p>
-            <a:pPr lvl="1">
-              <a:defRPr/>
-            </a:pPr>
-            <a:r>
-              <a:rPr/>
+          </a:p>
+          <a:p>
+            <a:pPr lvl="1"/>
+            <a:r>
+              <a:rPr lang="en-US" smtClean="0"/>
               <a:t>Second level</a:t>
             </a:r>
-            <a:endParaRPr/>
-          </a:p>
-          <a:p>
-            <a:pPr lvl="2">
-              <a:defRPr/>
-            </a:pPr>
-            <a:r>
-              <a:rPr/>
+          </a:p>
+          <a:p>
+            <a:pPr lvl="2"/>
+            <a:r>
+              <a:rPr lang="en-US" smtClean="0"/>
               <a:t>Third level</a:t>
             </a:r>
-            <a:endParaRPr/>
-          </a:p>
-          <a:p>
-            <a:pPr lvl="3">
-              <a:defRPr/>
-            </a:pPr>
-            <a:r>
-              <a:rPr/>
+          </a:p>
+          <a:p>
+            <a:pPr lvl="3"/>
+            <a:r>
+              <a:rPr lang="en-US" smtClean="0"/>
               <a:t>Fourth level</a:t>
             </a:r>
-            <a:endParaRPr/>
-          </a:p>
-          <a:p>
-            <a:pPr lvl="4">
-              <a:defRPr/>
-            </a:pPr>
-            <a:r>
-              <a:rPr/>
+          </a:p>
+          <a:p>
+            <a:pPr lvl="4"/>
+            <a:r>
+              <a:rPr lang="en-US" smtClean="0"/>
               <a:t>Fifth level</a:t>
             </a:r>
-            <a:endParaRPr/>
+            <a:endParaRPr lang="en-US"/>
           </a:p>
         </p:txBody>
       </p:sp>
@@ -1272,64 +1250,78 @@
             <p:ph sz="half" idx="2"/>
           </p:nvPr>
         </p:nvSpPr>
-        <p:spPr bwMode="auto">
+        <p:spPr>
           <a:xfrm>
-            <a:off x="6172200" y="1825625"/>
-            <a:ext cx="5181599" cy="4351338"/>
+            <a:off x="4648200" y="1600200"/>
+            <a:ext cx="4038600" cy="4525963"/>
           </a:xfrm>
         </p:spPr>
         <p:txBody>
           <a:bodyPr/>
-          <a:lstStyle/>
-          <a:p>
-            <a:pPr lvl="0">
-              <a:defRPr/>
-            </a:pPr>
-            <a:r>
-              <a:rPr/>
+          <a:lstStyle>
+            <a:lvl1pPr>
+              <a:defRPr sz="2800"/>
+            </a:lvl1pPr>
+            <a:lvl2pPr>
+              <a:defRPr sz="2400"/>
+            </a:lvl2pPr>
+            <a:lvl3pPr>
+              <a:defRPr sz="2000"/>
+            </a:lvl3pPr>
+            <a:lvl4pPr>
+              <a:defRPr sz="1800"/>
+            </a:lvl4pPr>
+            <a:lvl5pPr>
+              <a:defRPr sz="1800"/>
+            </a:lvl5pPr>
+            <a:lvl6pPr>
+              <a:defRPr sz="1800"/>
+            </a:lvl6pPr>
+            <a:lvl7pPr>
+              <a:defRPr sz="1800"/>
+            </a:lvl7pPr>
+            <a:lvl8pPr>
+              <a:defRPr sz="1800"/>
+            </a:lvl8pPr>
+            <a:lvl9pPr>
+              <a:defRPr sz="1800"/>
+            </a:lvl9pPr>
+          </a:lstStyle>
+          <a:p>
+            <a:pPr lvl="0"/>
+            <a:r>
+              <a:rPr lang="en-US" smtClean="0"/>
               <a:t>Click to edit Master text styles</a:t>
             </a:r>
-            <a:endParaRPr/>
-          </a:p>
-          <a:p>
-            <a:pPr lvl="1">
-              <a:defRPr/>
-            </a:pPr>
-            <a:r>
-              <a:rPr/>
+          </a:p>
+          <a:p>
+            <a:pPr lvl="1"/>
+            <a:r>
+              <a:rPr lang="en-US" smtClean="0"/>
               <a:t>Second level</a:t>
             </a:r>
-            <a:endParaRPr/>
-          </a:p>
-          <a:p>
-            <a:pPr lvl="2">
-              <a:defRPr/>
-            </a:pPr>
-            <a:r>
-              <a:rPr/>
+          </a:p>
+          <a:p>
+            <a:pPr lvl="2"/>
+            <a:r>
+              <a:rPr lang="en-US" smtClean="0"/>
               <a:t>Third level</a:t>
             </a:r>
-            <a:endParaRPr/>
-          </a:p>
-          <a:p>
-            <a:pPr lvl="3">
-              <a:defRPr/>
-            </a:pPr>
-            <a:r>
-              <a:rPr/>
+          </a:p>
+          <a:p>
+            <a:pPr lvl="3"/>
+            <a:r>
+              <a:rPr lang="en-US" smtClean="0"/>
               <a:t>Fourth level</a:t>
             </a:r>
-            <a:endParaRPr/>
-          </a:p>
-          <a:p>
-            <a:pPr lvl="4">
-              <a:defRPr/>
-            </a:pPr>
-            <a:r>
-              <a:rPr/>
+          </a:p>
+          <a:p>
+            <a:pPr lvl="4"/>
+            <a:r>
+              <a:rPr lang="en-US" smtClean="0"/>
               <a:t>Fifth level</a:t>
             </a:r>
-            <a:endParaRPr/>
+            <a:endParaRPr lang="en-US"/>
           </a:p>
         </p:txBody>
       </p:sp>
@@ -1343,19 +1335,16 @@
             <p:ph type="dt" sz="half" idx="10"/>
           </p:nvPr>
         </p:nvSpPr>
-        <p:spPr bwMode="auto"/>
-        <p:txBody>
-          <a:bodyPr/>
-          <a:lstStyle/>
-          <a:p>
-            <a:pPr>
-              <a:defRPr/>
-            </a:pPr>
-            <a:fld id="{BCC18F51-09EC-435C-A3BA-64A766E099C0}" type="datetimeFigureOut">
-              <a:rPr/>
-              <a:t/>
+        <p:spPr/>
+        <p:txBody>
+          <a:bodyPr/>
+          <a:lstStyle/>
+          <a:p>
+            <a:fld id="{5BCAD085-E8A6-8845-BD4E-CB4CCA059FC4}" type="datetimeFigureOut">
+              <a:rPr lang="en-US" smtClean="0"/>
+              <a:t>1/27/13</a:t>
             </a:fld>
-            <a:endParaRPr/>
+            <a:endParaRPr lang="en-US"/>
           </a:p>
         </p:txBody>
       </p:sp>
@@ -1369,15 +1358,12 @@
             <p:ph type="ftr" sz="quarter" idx="11"/>
           </p:nvPr>
         </p:nvSpPr>
-        <p:spPr bwMode="auto"/>
-        <p:txBody>
-          <a:bodyPr/>
-          <a:lstStyle/>
-          <a:p>
-            <a:pPr>
-              <a:defRPr/>
-            </a:pPr>
-            <a:endParaRPr/>
+        <p:spPr/>
+        <p:txBody>
+          <a:bodyPr/>
+          <a:lstStyle/>
+          <a:p>
+            <a:endParaRPr lang="en-US"/>
           </a:p>
         </p:txBody>
       </p:sp>
@@ -1391,23 +1377,25 @@
             <p:ph type="sldNum" sz="quarter" idx="12"/>
           </p:nvPr>
         </p:nvSpPr>
-        <p:spPr bwMode="auto"/>
-        <p:txBody>
-          <a:bodyPr/>
-          <a:lstStyle/>
-          <a:p>
-            <a:pPr>
-              <a:defRPr/>
-            </a:pPr>
-            <a:fld id="{08395586-F03A-48D1-94DF-16B239DF4FB5}" type="slidenum">
-              <a:rPr/>
-              <a:t/>
+        <p:spPr/>
+        <p:txBody>
+          <a:bodyPr/>
+          <a:lstStyle/>
+          <a:p>
+            <a:fld id="{C1FF6DA9-008F-8B48-92A6-B652298478BF}" type="slidenum">
+              <a:rPr lang="en-US" smtClean="0"/>
+              <a:t>‹#›</a:t>
             </a:fld>
-            <a:endParaRPr/>
+            <a:endParaRPr lang="en-US"/>
           </a:p>
         </p:txBody>
       </p:sp>
     </p:spTree>
+    <p:extLst>
+      <p:ext uri="{BB962C8B-B14F-4D97-AF65-F5344CB8AC3E}">
+        <p14:creationId xmlns:p14="http://schemas.microsoft.com/office/powerpoint/2010/main" val="2782244947"/>
+      </p:ext>
+    </p:extLst>
   </p:cSld>
   <p:clrMapOvr>
     <a:masterClrMapping/>
@@ -1416,7 +1404,7 @@
 </file>
 
 <file path=ppt/slideLayouts/slideLayout5.xml><?xml version="1.0" encoding="utf-8"?>
-<p:sldLayout xmlns:a="http://schemas.openxmlformats.org/drawingml/2006/main" xmlns:r="http://schemas.openxmlformats.org/officeDocument/2006/relationships" xmlns:p="http://schemas.openxmlformats.org/presentationml/2006/main" xmlns:m="http://schemas.openxmlformats.org/officeDocument/2006/math" xmlns:w="http://schemas.openxmlformats.org/wordprocessingml/2006/main" matchingName="" preserve="0" showMasterPhAnim="0" type="twoTxTwoObj" userDrawn="1">
+<p:sldLayout xmlns:a="http://schemas.openxmlformats.org/drawingml/2006/main" xmlns:r="http://schemas.openxmlformats.org/officeDocument/2006/relationships" xmlns:p="http://schemas.openxmlformats.org/presentationml/2006/main" type="twoTxTwoObj" preserve="1">
   <p:cSld name="Comparison">
     <p:spTree>
       <p:nvGrpSpPr>
@@ -1424,7 +1412,7 @@
         <p:cNvGrpSpPr/>
         <p:nvPr/>
       </p:nvGrpSpPr>
-      <p:grpSpPr bwMode="auto">
+      <p:grpSpPr>
         <a:xfrm>
           <a:off x="0" y="0"/>
           <a:ext cx="0" cy="0"/>
@@ -1442,41 +1430,37 @@
             <p:ph type="title"/>
           </p:nvPr>
         </p:nvSpPr>
-        <p:spPr bwMode="auto">
+        <p:spPr/>
+        <p:txBody>
+          <a:bodyPr/>
+          <a:lstStyle>
+            <a:lvl1pPr>
+              <a:defRPr/>
+            </a:lvl1pPr>
+          </a:lstStyle>
+          <a:p>
+            <a:r>
+              <a:rPr lang="en-US" smtClean="0"/>
+              <a:t>Click to edit Master title style</a:t>
+            </a:r>
+            <a:endParaRPr lang="en-US"/>
+          </a:p>
+        </p:txBody>
+      </p:sp>
+      <p:sp>
+        <p:nvSpPr>
+          <p:cNvPr id="3" name="Text Placeholder 2"/>
+          <p:cNvSpPr>
+            <a:spLocks noGrp="1"/>
+          </p:cNvSpPr>
+          <p:nvPr>
+            <p:ph type="body" idx="1"/>
+          </p:nvPr>
+        </p:nvSpPr>
+        <p:spPr>
           <a:xfrm>
-            <a:off x="839787" y="365125"/>
-            <a:ext cx="10515600" cy="1325562"/>
-          </a:xfrm>
-        </p:spPr>
-        <p:txBody>
-          <a:bodyPr/>
-          <a:lstStyle/>
-          <a:p>
-            <a:pPr>
-              <a:defRPr/>
-            </a:pPr>
-            <a:r>
-              <a:rPr/>
-              <a:t>Click to edit Master title style</a:t>
-            </a:r>
-            <a:endParaRPr/>
-          </a:p>
-        </p:txBody>
-      </p:sp>
-      <p:sp>
-        <p:nvSpPr>
-          <p:cNvPr id="3" name="Text Placeholder 2"/>
-          <p:cNvSpPr>
-            <a:spLocks noGrp="1"/>
-          </p:cNvSpPr>
-          <p:nvPr>
-            <p:ph type="body" idx="1"/>
-          </p:nvPr>
-        </p:nvSpPr>
-        <p:spPr bwMode="auto">
-          <a:xfrm>
-            <a:off x="839789" y="1681162"/>
-            <a:ext cx="5157786" cy="823911"/>
+            <a:off x="457200" y="1535113"/>
+            <a:ext cx="4040188" cy="639762"/>
           </a:xfrm>
         </p:spPr>
         <p:txBody>
@@ -1484,50 +1468,47 @@
           <a:lstStyle>
             <a:lvl1pPr marL="0" indent="0">
               <a:buNone/>
+              <a:defRPr sz="2400" b="1"/>
+            </a:lvl1pPr>
+            <a:lvl2pPr marL="457200" indent="0">
+              <a:buNone/>
+              <a:defRPr sz="2000" b="1"/>
+            </a:lvl2pPr>
+            <a:lvl3pPr marL="914400" indent="0">
+              <a:buNone/>
               <a:defRPr sz="1800" b="1"/>
-            </a:lvl1pPr>
-            <a:lvl2pPr marL="342900" indent="0">
-              <a:buNone/>
-              <a:defRPr sz="1500" b="1"/>
-            </a:lvl2pPr>
-            <a:lvl3pPr marL="685800" indent="0">
-              <a:buNone/>
-              <a:defRPr sz="1350" b="1"/>
             </a:lvl3pPr>
-            <a:lvl4pPr marL="1028700" indent="0">
-              <a:buNone/>
-              <a:defRPr sz="1200" b="1"/>
+            <a:lvl4pPr marL="1371600" indent="0">
+              <a:buNone/>
+              <a:defRPr sz="1600" b="1"/>
             </a:lvl4pPr>
-            <a:lvl5pPr marL="1371600" indent="0">
-              <a:buNone/>
-              <a:defRPr sz="1200" b="1"/>
+            <a:lvl5pPr marL="1828800" indent="0">
+              <a:buNone/>
+              <a:defRPr sz="1600" b="1"/>
             </a:lvl5pPr>
-            <a:lvl6pPr marL="1714500" indent="0">
-              <a:buNone/>
-              <a:defRPr sz="1200" b="1"/>
+            <a:lvl6pPr marL="2286000" indent="0">
+              <a:buNone/>
+              <a:defRPr sz="1600" b="1"/>
             </a:lvl6pPr>
-            <a:lvl7pPr marL="2057400" indent="0">
-              <a:buNone/>
-              <a:defRPr sz="1200" b="1"/>
+            <a:lvl7pPr marL="2743200" indent="0">
+              <a:buNone/>
+              <a:defRPr sz="1600" b="1"/>
             </a:lvl7pPr>
-            <a:lvl8pPr marL="2400300" indent="0">
-              <a:buNone/>
-              <a:defRPr sz="1200" b="1"/>
+            <a:lvl8pPr marL="3200400" indent="0">
+              <a:buNone/>
+              <a:defRPr sz="1600" b="1"/>
             </a:lvl8pPr>
-            <a:lvl9pPr marL="2743200" indent="0">
-              <a:buNone/>
-              <a:defRPr sz="1200" b="1"/>
+            <a:lvl9pPr marL="3657600" indent="0">
+              <a:buNone/>
+              <a:defRPr sz="1600" b="1"/>
             </a:lvl9pPr>
           </a:lstStyle>
           <a:p>
-            <a:pPr lvl="0">
-              <a:defRPr/>
-            </a:pPr>
-            <a:r>
-              <a:rPr/>
+            <a:pPr lvl="0"/>
+            <a:r>
+              <a:rPr lang="en-US" smtClean="0"/>
               <a:t>Click to edit Master text styles</a:t>
             </a:r>
-            <a:endParaRPr/>
           </a:p>
         </p:txBody>
       </p:sp>
@@ -1541,64 +1522,78 @@
             <p:ph sz="half" idx="2"/>
           </p:nvPr>
         </p:nvSpPr>
-        <p:spPr bwMode="auto">
+        <p:spPr>
           <a:xfrm>
-            <a:off x="839789" y="2505074"/>
-            <a:ext cx="5157786" cy="3684587"/>
+            <a:off x="457200" y="2174875"/>
+            <a:ext cx="4040188" cy="3951288"/>
           </a:xfrm>
         </p:spPr>
         <p:txBody>
           <a:bodyPr/>
-          <a:lstStyle/>
-          <a:p>
-            <a:pPr lvl="0">
-              <a:defRPr/>
-            </a:pPr>
-            <a:r>
-              <a:rPr/>
+          <a:lstStyle>
+            <a:lvl1pPr>
+              <a:defRPr sz="2400"/>
+            </a:lvl1pPr>
+            <a:lvl2pPr>
+              <a:defRPr sz="2000"/>
+            </a:lvl2pPr>
+            <a:lvl3pPr>
+              <a:defRPr sz="1800"/>
+            </a:lvl3pPr>
+            <a:lvl4pPr>
+              <a:defRPr sz="1600"/>
+            </a:lvl4pPr>
+            <a:lvl5pPr>
+              <a:defRPr sz="1600"/>
+            </a:lvl5pPr>
+            <a:lvl6pPr>
+              <a:defRPr sz="1600"/>
+            </a:lvl6pPr>
+            <a:lvl7pPr>
+              <a:defRPr sz="1600"/>
+            </a:lvl7pPr>
+            <a:lvl8pPr>
+              <a:defRPr sz="1600"/>
+            </a:lvl8pPr>
+            <a:lvl9pPr>
+              <a:defRPr sz="1600"/>
+            </a:lvl9pPr>
+          </a:lstStyle>
+          <a:p>
+            <a:pPr lvl="0"/>
+            <a:r>
+              <a:rPr lang="en-US" smtClean="0"/>
               <a:t>Click to edit Master text styles</a:t>
             </a:r>
-            <a:endParaRPr/>
-          </a:p>
-          <a:p>
-            <a:pPr lvl="1">
-              <a:defRPr/>
-            </a:pPr>
-            <a:r>
-              <a:rPr/>
+          </a:p>
+          <a:p>
+            <a:pPr lvl="1"/>
+            <a:r>
+              <a:rPr lang="en-US" smtClean="0"/>
               <a:t>Second level</a:t>
             </a:r>
-            <a:endParaRPr/>
-          </a:p>
-          <a:p>
-            <a:pPr lvl="2">
-              <a:defRPr/>
-            </a:pPr>
-            <a:r>
-              <a:rPr/>
+          </a:p>
+          <a:p>
+            <a:pPr lvl="2"/>
+            <a:r>
+              <a:rPr lang="en-US" smtClean="0"/>
               <a:t>Third level</a:t>
             </a:r>
-            <a:endParaRPr/>
-          </a:p>
-          <a:p>
-            <a:pPr lvl="3">
-              <a:defRPr/>
-            </a:pPr>
-            <a:r>
-              <a:rPr/>
+          </a:p>
+          <a:p>
+            <a:pPr lvl="3"/>
+            <a:r>
+              <a:rPr lang="en-US" smtClean="0"/>
               <a:t>Fourth level</a:t>
             </a:r>
-            <a:endParaRPr/>
-          </a:p>
-          <a:p>
-            <a:pPr lvl="4">
-              <a:defRPr/>
-            </a:pPr>
-            <a:r>
-              <a:rPr/>
+          </a:p>
+          <a:p>
+            <a:pPr lvl="4"/>
+            <a:r>
+              <a:rPr lang="en-US" smtClean="0"/>
               <a:t>Fifth level</a:t>
             </a:r>
-            <a:endParaRPr/>
+            <a:endParaRPr lang="en-US"/>
           </a:p>
         </p:txBody>
       </p:sp>
@@ -1612,10 +1607,10 @@
             <p:ph type="body" sz="quarter" idx="3"/>
           </p:nvPr>
         </p:nvSpPr>
-        <p:spPr bwMode="auto">
+        <p:spPr>
           <a:xfrm>
-            <a:off x="6172200" y="1681162"/>
-            <a:ext cx="5183187" cy="823911"/>
+            <a:off x="4645025" y="1535113"/>
+            <a:ext cx="4041775" cy="639762"/>
           </a:xfrm>
         </p:spPr>
         <p:txBody>
@@ -1623,50 +1618,47 @@
           <a:lstStyle>
             <a:lvl1pPr marL="0" indent="0">
               <a:buNone/>
+              <a:defRPr sz="2400" b="1"/>
+            </a:lvl1pPr>
+            <a:lvl2pPr marL="457200" indent="0">
+              <a:buNone/>
+              <a:defRPr sz="2000" b="1"/>
+            </a:lvl2pPr>
+            <a:lvl3pPr marL="914400" indent="0">
+              <a:buNone/>
               <a:defRPr sz="1800" b="1"/>
-            </a:lvl1pPr>
-            <a:lvl2pPr marL="342900" indent="0">
-              <a:buNone/>
-              <a:defRPr sz="1500" b="1"/>
-            </a:lvl2pPr>
-            <a:lvl3pPr marL="685800" indent="0">
-              <a:buNone/>
-              <a:defRPr sz="1350" b="1"/>
             </a:lvl3pPr>
-            <a:lvl4pPr marL="1028700" indent="0">
-              <a:buNone/>
-              <a:defRPr sz="1200" b="1"/>
+            <a:lvl4pPr marL="1371600" indent="0">
+              <a:buNone/>
+              <a:defRPr sz="1600" b="1"/>
             </a:lvl4pPr>
-            <a:lvl5pPr marL="1371600" indent="0">
-              <a:buNone/>
-              <a:defRPr sz="1200" b="1"/>
+            <a:lvl5pPr marL="1828800" indent="0">
+              <a:buNone/>
+              <a:defRPr sz="1600" b="1"/>
             </a:lvl5pPr>
-            <a:lvl6pPr marL="1714500" indent="0">
-              <a:buNone/>
-              <a:defRPr sz="1200" b="1"/>
+            <a:lvl6pPr marL="2286000" indent="0">
+              <a:buNone/>
+              <a:defRPr sz="1600" b="1"/>
             </a:lvl6pPr>
-            <a:lvl7pPr marL="2057400" indent="0">
-              <a:buNone/>
-              <a:defRPr sz="1200" b="1"/>
+            <a:lvl7pPr marL="2743200" indent="0">
+              <a:buNone/>
+              <a:defRPr sz="1600" b="1"/>
             </a:lvl7pPr>
-            <a:lvl8pPr marL="2400300" indent="0">
-              <a:buNone/>
-              <a:defRPr sz="1200" b="1"/>
+            <a:lvl8pPr marL="3200400" indent="0">
+              <a:buNone/>
+              <a:defRPr sz="1600" b="1"/>
             </a:lvl8pPr>
-            <a:lvl9pPr marL="2743200" indent="0">
-              <a:buNone/>
-              <a:defRPr sz="1200" b="1"/>
+            <a:lvl9pPr marL="3657600" indent="0">
+              <a:buNone/>
+              <a:defRPr sz="1600" b="1"/>
             </a:lvl9pPr>
           </a:lstStyle>
           <a:p>
-            <a:pPr lvl="0">
-              <a:defRPr/>
-            </a:pPr>
-            <a:r>
-              <a:rPr/>
+            <a:pPr lvl="0"/>
+            <a:r>
+              <a:rPr lang="en-US" smtClean="0"/>
               <a:t>Click to edit Master text styles</a:t>
             </a:r>
-            <a:endParaRPr/>
           </a:p>
         </p:txBody>
       </p:sp>
@@ -1680,64 +1672,78 @@
             <p:ph sz="quarter" idx="4"/>
           </p:nvPr>
         </p:nvSpPr>
-        <p:spPr bwMode="auto">
+        <p:spPr>
           <a:xfrm>
-            <a:off x="6172200" y="2505074"/>
-            <a:ext cx="5183187" cy="3684587"/>
+            <a:off x="4645025" y="2174875"/>
+            <a:ext cx="4041775" cy="3951288"/>
           </a:xfrm>
         </p:spPr>
         <p:txBody>
           <a:bodyPr/>
-          <a:lstStyle/>
-          <a:p>
-            <a:pPr lvl="0">
-              <a:defRPr/>
-            </a:pPr>
-            <a:r>
-              <a:rPr/>
+          <a:lstStyle>
+            <a:lvl1pPr>
+              <a:defRPr sz="2400"/>
+            </a:lvl1pPr>
+            <a:lvl2pPr>
+              <a:defRPr sz="2000"/>
+            </a:lvl2pPr>
+            <a:lvl3pPr>
+              <a:defRPr sz="1800"/>
+            </a:lvl3pPr>
+            <a:lvl4pPr>
+              <a:defRPr sz="1600"/>
+            </a:lvl4pPr>
+            <a:lvl5pPr>
+              <a:defRPr sz="1600"/>
+            </a:lvl5pPr>
+            <a:lvl6pPr>
+              <a:defRPr sz="1600"/>
+            </a:lvl6pPr>
+            <a:lvl7pPr>
+              <a:defRPr sz="1600"/>
+            </a:lvl7pPr>
+            <a:lvl8pPr>
+              <a:defRPr sz="1600"/>
+            </a:lvl8pPr>
+            <a:lvl9pPr>
+              <a:defRPr sz="1600"/>
+            </a:lvl9pPr>
+          </a:lstStyle>
+          <a:p>
+            <a:pPr lvl="0"/>
+            <a:r>
+              <a:rPr lang="en-US" smtClean="0"/>
               <a:t>Click to edit Master text styles</a:t>
             </a:r>
-            <a:endParaRPr/>
-          </a:p>
-          <a:p>
-            <a:pPr lvl="1">
-              <a:defRPr/>
-            </a:pPr>
-            <a:r>
-              <a:rPr/>
+          </a:p>
+          <a:p>
+            <a:pPr lvl="1"/>
+            <a:r>
+              <a:rPr lang="en-US" smtClean="0"/>
               <a:t>Second level</a:t>
             </a:r>
-            <a:endParaRPr/>
-          </a:p>
-          <a:p>
-            <a:pPr lvl="2">
-              <a:defRPr/>
-            </a:pPr>
-            <a:r>
-              <a:rPr/>
+          </a:p>
+          <a:p>
+            <a:pPr lvl="2"/>
+            <a:r>
+              <a:rPr lang="en-US" smtClean="0"/>
               <a:t>Third level</a:t>
             </a:r>
-            <a:endParaRPr/>
-          </a:p>
-          <a:p>
-            <a:pPr lvl="3">
-              <a:defRPr/>
-            </a:pPr>
-            <a:r>
-              <a:rPr/>
+          </a:p>
+          <a:p>
+            <a:pPr lvl="3"/>
+            <a:r>
+              <a:rPr lang="en-US" smtClean="0"/>
               <a:t>Fourth level</a:t>
             </a:r>
-            <a:endParaRPr/>
-          </a:p>
-          <a:p>
-            <a:pPr lvl="4">
-              <a:defRPr/>
-            </a:pPr>
-            <a:r>
-              <a:rPr/>
+          </a:p>
+          <a:p>
+            <a:pPr lvl="4"/>
+            <a:r>
+              <a:rPr lang="en-US" smtClean="0"/>
               <a:t>Fifth level</a:t>
             </a:r>
-            <a:endParaRPr/>
+            <a:endParaRPr lang="en-US"/>
           </a:p>
         </p:txBody>
       </p:sp>
@@ -1751,19 +1757,16 @@
             <p:ph type="dt" sz="half" idx="10"/>
           </p:nvPr>
         </p:nvSpPr>
-        <p:spPr bwMode="auto"/>
-        <p:txBody>
-          <a:bodyPr/>
-          <a:lstStyle/>
-          <a:p>
-            <a:pPr>
-              <a:defRPr/>
-            </a:pPr>
-            <a:fld id="{BCC18F51-09EC-435C-A3BA-64A766E099C0}" type="datetimeFigureOut">
-              <a:rPr/>
-              <a:t/>
+        <p:spPr/>
+        <p:txBody>
+          <a:bodyPr/>
+          <a:lstStyle/>
+          <a:p>
+            <a:fld id="{5BCAD085-E8A6-8845-BD4E-CB4CCA059FC4}" type="datetimeFigureOut">
+              <a:rPr lang="en-US" smtClean="0"/>
+              <a:t>1/27/13</a:t>
             </a:fld>
-            <a:endParaRPr/>
+            <a:endParaRPr lang="en-US"/>
           </a:p>
         </p:txBody>
       </p:sp>
@@ -1777,15 +1780,12 @@
             <p:ph type="ftr" sz="quarter" idx="11"/>
           </p:nvPr>
         </p:nvSpPr>
-        <p:spPr bwMode="auto"/>
-        <p:txBody>
-          <a:bodyPr/>
-          <a:lstStyle/>
-          <a:p>
-            <a:pPr>
-              <a:defRPr/>
-            </a:pPr>
-            <a:endParaRPr/>
+        <p:spPr/>
+        <p:txBody>
+          <a:bodyPr/>
+          <a:lstStyle/>
+          <a:p>
+            <a:endParaRPr lang="en-US"/>
           </a:p>
         </p:txBody>
       </p:sp>
@@ -1799,23 +1799,25 @@
             <p:ph type="sldNum" sz="quarter" idx="12"/>
           </p:nvPr>
         </p:nvSpPr>
-        <p:spPr bwMode="auto"/>
-        <p:txBody>
-          <a:bodyPr/>
-          <a:lstStyle/>
-          <a:p>
-            <a:pPr>
-              <a:defRPr/>
-            </a:pPr>
-            <a:fld id="{08395586-F03A-48D1-94DF-16B239DF4FB5}" type="slidenum">
-              <a:rPr/>
-              <a:t/>
+        <p:spPr/>
+        <p:txBody>
+          <a:bodyPr/>
+          <a:lstStyle/>
+          <a:p>
+            <a:fld id="{C1FF6DA9-008F-8B48-92A6-B652298478BF}" type="slidenum">
+              <a:rPr lang="en-US" smtClean="0"/>
+              <a:t>‹#›</a:t>
             </a:fld>
-            <a:endParaRPr/>
+            <a:endParaRPr lang="en-US"/>
           </a:p>
         </p:txBody>
       </p:sp>
     </p:spTree>
+    <p:extLst>
+      <p:ext uri="{BB962C8B-B14F-4D97-AF65-F5344CB8AC3E}">
+        <p14:creationId xmlns:p14="http://schemas.microsoft.com/office/powerpoint/2010/main" val="990158736"/>
+      </p:ext>
+    </p:extLst>
   </p:cSld>
   <p:clrMapOvr>
     <a:masterClrMapping/>
@@ -1824,7 +1826,7 @@
 </file>
 
 <file path=ppt/slideLayouts/slideLayout6.xml><?xml version="1.0" encoding="utf-8"?>
-<p:sldLayout xmlns:a="http://schemas.openxmlformats.org/drawingml/2006/main" xmlns:r="http://schemas.openxmlformats.org/officeDocument/2006/relationships" xmlns:p="http://schemas.openxmlformats.org/presentationml/2006/main" xmlns:m="http://schemas.openxmlformats.org/officeDocument/2006/math" xmlns:w="http://schemas.openxmlformats.org/wordprocessingml/2006/main" matchingName="" preserve="0" showMasterPhAnim="0" type="titleOnly" userDrawn="1">
+<p:sldLayout xmlns:a="http://schemas.openxmlformats.org/drawingml/2006/main" xmlns:r="http://schemas.openxmlformats.org/officeDocument/2006/relationships" xmlns:p="http://schemas.openxmlformats.org/presentationml/2006/main" type="titleOnly" preserve="1">
   <p:cSld name="Title Only">
     <p:spTree>
       <p:nvGrpSpPr>
@@ -1832,7 +1834,7 @@
         <p:cNvGrpSpPr/>
         <p:nvPr/>
       </p:nvGrpSpPr>
-      <p:grpSpPr bwMode="auto">
+      <p:grpSpPr>
         <a:xfrm>
           <a:off x="0" y="0"/>
           <a:ext cx="0" cy="0"/>
@@ -1850,19 +1852,16 @@
             <p:ph type="title"/>
           </p:nvPr>
         </p:nvSpPr>
-        <p:spPr bwMode="auto"/>
-        <p:txBody>
-          <a:bodyPr/>
-          <a:lstStyle/>
-          <a:p>
-            <a:pPr>
-              <a:defRPr/>
-            </a:pPr>
-            <a:r>
-              <a:rPr/>
+        <p:spPr/>
+        <p:txBody>
+          <a:bodyPr/>
+          <a:lstStyle/>
+          <a:p>
+            <a:r>
+              <a:rPr lang="en-US" smtClean="0"/>
               <a:t>Click to edit Master title style</a:t>
             </a:r>
-            <a:endParaRPr/>
+            <a:endParaRPr lang="en-US"/>
           </a:p>
         </p:txBody>
       </p:sp>
@@ -1876,19 +1875,16 @@
             <p:ph type="dt" sz="half" idx="10"/>
           </p:nvPr>
         </p:nvSpPr>
-        <p:spPr bwMode="auto"/>
-        <p:txBody>
-          <a:bodyPr/>
-          <a:lstStyle/>
-          <a:p>
-            <a:pPr>
-              <a:defRPr/>
-            </a:pPr>
-            <a:fld id="{BCC18F51-09EC-435C-A3BA-64A766E099C0}" type="datetimeFigureOut">
-              <a:rPr/>
-              <a:t/>
+        <p:spPr/>
+        <p:txBody>
+          <a:bodyPr/>
+          <a:lstStyle/>
+          <a:p>
+            <a:fld id="{5BCAD085-E8A6-8845-BD4E-CB4CCA059FC4}" type="datetimeFigureOut">
+              <a:rPr lang="en-US" smtClean="0"/>
+              <a:t>1/27/13</a:t>
             </a:fld>
-            <a:endParaRPr/>
+            <a:endParaRPr lang="en-US"/>
           </a:p>
         </p:txBody>
       </p:sp>
@@ -1902,15 +1898,12 @@
             <p:ph type="ftr" sz="quarter" idx="11"/>
           </p:nvPr>
         </p:nvSpPr>
-        <p:spPr bwMode="auto"/>
-        <p:txBody>
-          <a:bodyPr/>
-          <a:lstStyle/>
-          <a:p>
-            <a:pPr>
-              <a:defRPr/>
-            </a:pPr>
-            <a:endParaRPr/>
+        <p:spPr/>
+        <p:txBody>
+          <a:bodyPr/>
+          <a:lstStyle/>
+          <a:p>
+            <a:endParaRPr lang="en-US"/>
           </a:p>
         </p:txBody>
       </p:sp>
@@ -1924,23 +1917,25 @@
             <p:ph type="sldNum" sz="quarter" idx="12"/>
           </p:nvPr>
         </p:nvSpPr>
-        <p:spPr bwMode="auto"/>
-        <p:txBody>
-          <a:bodyPr/>
-          <a:lstStyle/>
-          <a:p>
-            <a:pPr>
-              <a:defRPr/>
-            </a:pPr>
-            <a:fld id="{08395586-F03A-48D1-94DF-16B239DF4FB5}" type="slidenum">
-              <a:rPr/>
-              <a:t/>
+        <p:spPr/>
+        <p:txBody>
+          <a:bodyPr/>
+          <a:lstStyle/>
+          <a:p>
+            <a:fld id="{C1FF6DA9-008F-8B48-92A6-B652298478BF}" type="slidenum">
+              <a:rPr lang="en-US" smtClean="0"/>
+              <a:t>‹#›</a:t>
             </a:fld>
-            <a:endParaRPr/>
+            <a:endParaRPr lang="en-US"/>
           </a:p>
         </p:txBody>
       </p:sp>
     </p:spTree>
+    <p:extLst>
+      <p:ext uri="{BB962C8B-B14F-4D97-AF65-F5344CB8AC3E}">
+        <p14:creationId xmlns:p14="http://schemas.microsoft.com/office/powerpoint/2010/main" val="727027711"/>
+      </p:ext>
+    </p:extLst>
   </p:cSld>
   <p:clrMapOvr>
     <a:masterClrMapping/>
@@ -1949,7 +1944,7 @@
 </file>
 
 <file path=ppt/slideLayouts/slideLayout7.xml><?xml version="1.0" encoding="utf-8"?>
-<p:sldLayout xmlns:a="http://schemas.openxmlformats.org/drawingml/2006/main" xmlns:r="http://schemas.openxmlformats.org/officeDocument/2006/relationships" xmlns:p="http://schemas.openxmlformats.org/presentationml/2006/main" xmlns:m="http://schemas.openxmlformats.org/officeDocument/2006/math" xmlns:w="http://schemas.openxmlformats.org/wordprocessingml/2006/main" matchingName="" preserve="0" showMasterPhAnim="0" type="blank" userDrawn="1">
+<p:sldLayout xmlns:a="http://schemas.openxmlformats.org/drawingml/2006/main" xmlns:r="http://schemas.openxmlformats.org/officeDocument/2006/relationships" xmlns:p="http://schemas.openxmlformats.org/presentationml/2006/main" type="blank" preserve="1">
   <p:cSld name="Blank">
     <p:spTree>
       <p:nvGrpSpPr>
@@ -1957,7 +1952,7 @@
         <p:cNvGrpSpPr/>
         <p:nvPr/>
       </p:nvGrpSpPr>
-      <p:grpSpPr bwMode="auto">
+      <p:grpSpPr>
         <a:xfrm>
           <a:off x="0" y="0"/>
           <a:ext cx="0" cy="0"/>
@@ -1975,19 +1970,16 @@
             <p:ph type="dt" sz="half" idx="10"/>
           </p:nvPr>
         </p:nvSpPr>
-        <p:spPr bwMode="auto"/>
-        <p:txBody>
-          <a:bodyPr/>
-          <a:lstStyle/>
-          <a:p>
-            <a:pPr>
-              <a:defRPr/>
-            </a:pPr>
-            <a:fld id="{BCC18F51-09EC-435C-A3BA-64A766E099C0}" type="datetimeFigureOut">
-              <a:rPr/>
-              <a:t/>
+        <p:spPr/>
+        <p:txBody>
+          <a:bodyPr/>
+          <a:lstStyle/>
+          <a:p>
+            <a:fld id="{5BCAD085-E8A6-8845-BD4E-CB4CCA059FC4}" type="datetimeFigureOut">
+              <a:rPr lang="en-US" smtClean="0"/>
+              <a:t>1/27/13</a:t>
             </a:fld>
-            <a:endParaRPr/>
+            <a:endParaRPr lang="en-US"/>
           </a:p>
         </p:txBody>
       </p:sp>
@@ -2001,15 +1993,12 @@
             <p:ph type="ftr" sz="quarter" idx="11"/>
           </p:nvPr>
         </p:nvSpPr>
-        <p:spPr bwMode="auto"/>
-        <p:txBody>
-          <a:bodyPr/>
-          <a:lstStyle/>
-          <a:p>
-            <a:pPr>
-              <a:defRPr/>
-            </a:pPr>
-            <a:endParaRPr/>
+        <p:spPr/>
+        <p:txBody>
+          <a:bodyPr/>
+          <a:lstStyle/>
+          <a:p>
+            <a:endParaRPr lang="en-US"/>
           </a:p>
         </p:txBody>
       </p:sp>
@@ -2023,23 +2012,25 @@
             <p:ph type="sldNum" sz="quarter" idx="12"/>
           </p:nvPr>
         </p:nvSpPr>
-        <p:spPr bwMode="auto"/>
-        <p:txBody>
-          <a:bodyPr/>
-          <a:lstStyle/>
-          <a:p>
-            <a:pPr>
-              <a:defRPr/>
-            </a:pPr>
-            <a:fld id="{08395586-F03A-48D1-94DF-16B239DF4FB5}" type="slidenum">
-              <a:rPr/>
-              <a:t/>
+        <p:spPr/>
+        <p:txBody>
+          <a:bodyPr/>
+          <a:lstStyle/>
+          <a:p>
+            <a:fld id="{C1FF6DA9-008F-8B48-92A6-B652298478BF}" type="slidenum">
+              <a:rPr lang="en-US" smtClean="0"/>
+              <a:t>‹#›</a:t>
             </a:fld>
-            <a:endParaRPr/>
+            <a:endParaRPr lang="en-US"/>
           </a:p>
         </p:txBody>
       </p:sp>
     </p:spTree>
+    <p:extLst>
+      <p:ext uri="{BB962C8B-B14F-4D97-AF65-F5344CB8AC3E}">
+        <p14:creationId xmlns:p14="http://schemas.microsoft.com/office/powerpoint/2010/main" val="1212999818"/>
+      </p:ext>
+    </p:extLst>
   </p:cSld>
   <p:clrMapOvr>
     <a:masterClrMapping/>
@@ -2048,7 +2039,7 @@
 </file>
 
 <file path=ppt/slideLayouts/slideLayout8.xml><?xml version="1.0" encoding="utf-8"?>
-<p:sldLayout xmlns:a="http://schemas.openxmlformats.org/drawingml/2006/main" xmlns:r="http://schemas.openxmlformats.org/officeDocument/2006/relationships" xmlns:p="http://schemas.openxmlformats.org/presentationml/2006/main" xmlns:m="http://schemas.openxmlformats.org/officeDocument/2006/math" xmlns:w="http://schemas.openxmlformats.org/wordprocessingml/2006/main" matchingName="" preserve="0" showMasterPhAnim="0" type="objTx" userDrawn="1">
+<p:sldLayout xmlns:a="http://schemas.openxmlformats.org/drawingml/2006/main" xmlns:r="http://schemas.openxmlformats.org/officeDocument/2006/relationships" xmlns:p="http://schemas.openxmlformats.org/presentationml/2006/main" type="objTx" preserve="1">
   <p:cSld name="Content with Caption">
     <p:spTree>
       <p:nvGrpSpPr>
@@ -2056,7 +2047,7 @@
         <p:cNvGrpSpPr/>
         <p:nvPr/>
       </p:nvGrpSpPr>
-      <p:grpSpPr bwMode="auto">
+      <p:grpSpPr>
         <a:xfrm>
           <a:off x="0" y="0"/>
           <a:ext cx="0" cy="0"/>
@@ -2074,28 +2065,25 @@
             <p:ph type="title"/>
           </p:nvPr>
         </p:nvSpPr>
-        <p:spPr bwMode="auto">
+        <p:spPr>
           <a:xfrm>
-            <a:off x="839787" y="457200"/>
-            <a:ext cx="3932237" cy="1600200"/>
+            <a:off x="457200" y="273050"/>
+            <a:ext cx="3008313" cy="1162050"/>
           </a:xfrm>
         </p:spPr>
         <p:txBody>
           <a:bodyPr anchor="b"/>
           <a:lstStyle>
-            <a:lvl1pPr>
-              <a:defRPr sz="2400"/>
+            <a:lvl1pPr algn="l">
+              <a:defRPr sz="2000" b="1"/>
             </a:lvl1pPr>
           </a:lstStyle>
           <a:p>
-            <a:pPr>
-              <a:defRPr/>
-            </a:pPr>
-            <a:r>
-              <a:rPr/>
+            <a:r>
+              <a:rPr lang="en-US" smtClean="0"/>
               <a:t>Click to edit Master title style</a:t>
             </a:r>
-            <a:endParaRPr/>
+            <a:endParaRPr lang="en-US"/>
           </a:p>
         </p:txBody>
       </p:sp>
@@ -2109,92 +2097,78 @@
             <p:ph idx="1"/>
           </p:nvPr>
         </p:nvSpPr>
-        <p:spPr bwMode="auto">
+        <p:spPr>
           <a:xfrm>
-            <a:off x="5183187" y="987425"/>
-            <a:ext cx="6172200" cy="4873625"/>
+            <a:off x="3575050" y="273050"/>
+            <a:ext cx="5111750" cy="5853113"/>
           </a:xfrm>
         </p:spPr>
         <p:txBody>
           <a:bodyPr/>
           <a:lstStyle>
             <a:lvl1pPr>
-              <a:defRPr sz="2400"/>
+              <a:defRPr sz="3200"/>
             </a:lvl1pPr>
             <a:lvl2pPr>
-              <a:defRPr sz="2100"/>
+              <a:defRPr sz="2800"/>
             </a:lvl2pPr>
             <a:lvl3pPr>
-              <a:defRPr sz="1800"/>
+              <a:defRPr sz="2400"/>
             </a:lvl3pPr>
             <a:lvl4pPr>
-              <a:defRPr sz="1500"/>
+              <a:defRPr sz="2000"/>
             </a:lvl4pPr>
             <a:lvl5pPr>
-              <a:defRPr sz="1500"/>
+              <a:defRPr sz="2000"/>
             </a:lvl5pPr>
             <a:lvl6pPr>
-              <a:defRPr sz="1500"/>
+              <a:defRPr sz="2000"/>
             </a:lvl6pPr>
             <a:lvl7pPr>
-              <a:defRPr sz="1500"/>
+              <a:defRPr sz="2000"/>
             </a:lvl7pPr>
             <a:lvl8pPr>
-              <a:defRPr sz="1500"/>
+              <a:defRPr sz="2000"/>
             </a:lvl8pPr>
             <a:lvl9pPr>
-              <a:defRPr sz="1500"/>
+              <a:defRPr sz="2000"/>
             </a:lvl9pPr>
           </a:lstStyle>
           <a:p>
-            <a:pPr lvl="0">
-              <a:defRPr/>
-            </a:pPr>
-            <a:r>
-              <a:rPr/>
+            <a:pPr lvl="0"/>
+            <a:r>
+              <a:rPr lang="en-US" smtClean="0"/>
               <a:t>Click to edit Master text styles</a:t>
             </a:r>
-            <a:endParaRPr/>
-          </a:p>
-          <a:p>
-            <a:pPr lvl="1">
-              <a:defRPr/>
-            </a:pPr>
-            <a:r>
-              <a:rPr/>
+          </a:p>
+          <a:p>
+            <a:pPr lvl="1"/>
+            <a:r>
+              <a:rPr lang="en-US" smtClean="0"/>
               <a:t>Second level</a:t>
             </a:r>
-            <a:endParaRPr/>
-          </a:p>
-          <a:p>
-            <a:pPr lvl="2">
-              <a:defRPr/>
-            </a:pPr>
-            <a:r>
-              <a:rPr/>
+          </a:p>
+          <a:p>
+            <a:pPr lvl="2"/>
+            <a:r>
+              <a:rPr lang="en-US" smtClean="0"/>
               <a:t>Third level</a:t>
             </a:r>
-            <a:endParaRPr/>
-          </a:p>
-          <a:p>
-            <a:pPr lvl="3">
-              <a:defRPr/>
-            </a:pPr>
-            <a:r>
-              <a:rPr/>
+          </a:p>
+          <a:p>
+            <a:pPr lvl="3"/>
+            <a:r>
+              <a:rPr lang="en-US" smtClean="0"/>
               <a:t>Fourth level</a:t>
             </a:r>
-            <a:endParaRPr/>
-          </a:p>
-          <a:p>
-            <a:pPr lvl="4">
-              <a:defRPr/>
-            </a:pPr>
-            <a:r>
-              <a:rPr/>
+          </a:p>
+          <a:p>
+            <a:pPr lvl="4"/>
+            <a:r>
+              <a:rPr lang="en-US" smtClean="0"/>
               <a:t>Fifth level</a:t>
             </a:r>
-            <a:endParaRPr/>
+            <a:endParaRPr lang="en-US"/>
           </a:p>
         </p:txBody>
       </p:sp>
@@ -2208,10 +2182,10 @@
             <p:ph type="body" sz="half" idx="2"/>
           </p:nvPr>
         </p:nvSpPr>
-        <p:spPr bwMode="auto">
+        <p:spPr>
           <a:xfrm>
-            <a:off x="839787" y="2057399"/>
-            <a:ext cx="3932237" cy="3811587"/>
+            <a:off x="457200" y="1435100"/>
+            <a:ext cx="3008313" cy="4691063"/>
           </a:xfrm>
         </p:spPr>
         <p:txBody>
@@ -2219,50 +2193,47 @@
           <a:lstStyle>
             <a:lvl1pPr marL="0" indent="0">
               <a:buNone/>
+              <a:defRPr sz="1400"/>
+            </a:lvl1pPr>
+            <a:lvl2pPr marL="457200" indent="0">
+              <a:buNone/>
               <a:defRPr sz="1200"/>
-            </a:lvl1pPr>
-            <a:lvl2pPr marL="342900" indent="0">
-              <a:buNone/>
-              <a:defRPr sz="1050"/>
             </a:lvl2pPr>
-            <a:lvl3pPr marL="685800" indent="0">
+            <a:lvl3pPr marL="914400" indent="0">
+              <a:buNone/>
+              <a:defRPr sz="1000"/>
+            </a:lvl3pPr>
+            <a:lvl4pPr marL="1371600" indent="0">
               <a:buNone/>
               <a:defRPr sz="900"/>
-            </a:lvl3pPr>
-            <a:lvl4pPr marL="1028700" indent="0">
-              <a:buNone/>
-              <a:defRPr sz="750"/>
             </a:lvl4pPr>
-            <a:lvl5pPr marL="1371600" indent="0">
-              <a:buNone/>
-              <a:defRPr sz="750"/>
+            <a:lvl5pPr marL="1828800" indent="0">
+              <a:buNone/>
+              <a:defRPr sz="900"/>
             </a:lvl5pPr>
-            <a:lvl6pPr marL="1714500" indent="0">
-              <a:buNone/>
-              <a:defRPr sz="750"/>
+            <a:lvl6pPr marL="2286000" indent="0">
+              <a:buNone/>
+              <a:defRPr sz="900"/>
             </a:lvl6pPr>
-            <a:lvl7pPr marL="2057400" indent="0">
-              <a:buNone/>
-              <a:defRPr sz="750"/>
+            <a:lvl7pPr marL="2743200" indent="0">
+              <a:buNone/>
+              <a:defRPr sz="900"/>
             </a:lvl7pPr>
-            <a:lvl8pPr marL="2400300" indent="0">
-              <a:buNone/>
-              <a:defRPr sz="750"/>
+            <a:lvl8pPr marL="3200400" indent="0">
+              <a:buNone/>
+              <a:defRPr sz="900"/>
             </a:lvl8pPr>
-            <a:lvl9pPr marL="2743200" indent="0">
-              <a:buNone/>
-              <a:defRPr sz="750"/>
+            <a:lvl9pPr marL="3657600" indent="0">
+              <a:buNone/>
+              <a:defRPr sz="900"/>
             </a:lvl9pPr>
           </a:lstStyle>
           <a:p>
-            <a:pPr lvl="0">
-              <a:defRPr/>
-            </a:pPr>
-            <a:r>
-              <a:rPr/>
+            <a:pPr lvl="0"/>
+            <a:r>
+              <a:rPr lang="en-US" smtClean="0"/>
               <a:t>Click to edit Master text styles</a:t>
             </a:r>
-            <a:endParaRPr/>
           </a:p>
         </p:txBody>
       </p:sp>
@@ -2276,19 +2247,16 @@
             <p:ph type="dt" sz="half" idx="10"/>
           </p:nvPr>
         </p:nvSpPr>
-        <p:spPr bwMode="auto"/>
-        <p:txBody>
-          <a:bodyPr/>
-          <a:lstStyle/>
-          <a:p>
-            <a:pPr>
-              <a:defRPr/>
-            </a:pPr>
-            <a:fld id="{BCC18F51-09EC-435C-A3BA-64A766E099C0}" type="datetimeFigureOut">
-              <a:rPr/>
-              <a:t/>
+        <p:spPr/>
+        <p:txBody>
+          <a:bodyPr/>
+          <a:lstStyle/>
+          <a:p>
+            <a:fld id="{5BCAD085-E8A6-8845-BD4E-CB4CCA059FC4}" type="datetimeFigureOut">
+              <a:rPr lang="en-US" smtClean="0"/>
+              <a:t>1/27/13</a:t>
             </a:fld>
-            <a:endParaRPr/>
+            <a:endParaRPr lang="en-US"/>
           </a:p>
         </p:txBody>
       </p:sp>
@@ -2302,15 +2270,12 @@
             <p:ph type="ftr" sz="quarter" idx="11"/>
           </p:nvPr>
         </p:nvSpPr>
-        <p:spPr bwMode="auto"/>
-        <p:txBody>
-          <a:bodyPr/>
-          <a:lstStyle/>
-          <a:p>
-            <a:pPr>
-              <a:defRPr/>
-            </a:pPr>
-            <a:endParaRPr/>
+        <p:spPr/>
+        <p:txBody>
+          <a:bodyPr/>
+          <a:lstStyle/>
+          <a:p>
+            <a:endParaRPr lang="en-US"/>
           </a:p>
         </p:txBody>
       </p:sp>
@@ -2324,23 +2289,25 @@
             <p:ph type="sldNum" sz="quarter" idx="12"/>
           </p:nvPr>
         </p:nvSpPr>
-        <p:spPr bwMode="auto"/>
-        <p:txBody>
-          <a:bodyPr/>
-          <a:lstStyle/>
-          <a:p>
-            <a:pPr>
-              <a:defRPr/>
-            </a:pPr>
-            <a:fld id="{08395586-F03A-48D1-94DF-16B239DF4FB5}" type="slidenum">
-              <a:rPr/>
-              <a:t/>
+        <p:spPr/>
+        <p:txBody>
+          <a:bodyPr/>
+          <a:lstStyle/>
+          <a:p>
+            <a:fld id="{C1FF6DA9-008F-8B48-92A6-B652298478BF}" type="slidenum">
+              <a:rPr lang="en-US" smtClean="0"/>
+              <a:t>‹#›</a:t>
             </a:fld>
-            <a:endParaRPr/>
+            <a:endParaRPr lang="en-US"/>
           </a:p>
         </p:txBody>
       </p:sp>
     </p:spTree>
+    <p:extLst>
+      <p:ext uri="{BB962C8B-B14F-4D97-AF65-F5344CB8AC3E}">
+        <p14:creationId xmlns:p14="http://schemas.microsoft.com/office/powerpoint/2010/main" val="1840726560"/>
+      </p:ext>
+    </p:extLst>
   </p:cSld>
   <p:clrMapOvr>
     <a:masterClrMapping/>
@@ -2349,7 +2316,7 @@
 </file>
 
 <file path=ppt/slideLayouts/slideLayout9.xml><?xml version="1.0" encoding="utf-8"?>
-<p:sldLayout xmlns:a="http://schemas.openxmlformats.org/drawingml/2006/main" xmlns:r="http://schemas.openxmlformats.org/officeDocument/2006/relationships" xmlns:p="http://schemas.openxmlformats.org/presentationml/2006/main" xmlns:m="http://schemas.openxmlformats.org/officeDocument/2006/math" xmlns:w="http://schemas.openxmlformats.org/wordprocessingml/2006/main" matchingName="" preserve="0" showMasterPhAnim="0" type="picTx" userDrawn="1">
+<p:sldLayout xmlns:a="http://schemas.openxmlformats.org/drawingml/2006/main" xmlns:r="http://schemas.openxmlformats.org/officeDocument/2006/relationships" xmlns:p="http://schemas.openxmlformats.org/presentationml/2006/main" type="picTx" preserve="1">
   <p:cSld name="Picture with Caption">
     <p:spTree>
       <p:nvGrpSpPr>
@@ -2357,7 +2324,7 @@
         <p:cNvGrpSpPr/>
         <p:nvPr/>
       </p:nvGrpSpPr>
-      <p:grpSpPr bwMode="auto">
+      <p:grpSpPr>
         <a:xfrm>
           <a:off x="0" y="0"/>
           <a:ext cx="0" cy="0"/>
@@ -2375,28 +2342,25 @@
             <p:ph type="title"/>
           </p:nvPr>
         </p:nvSpPr>
-        <p:spPr bwMode="auto">
+        <p:spPr>
           <a:xfrm>
-            <a:off x="839787" y="457200"/>
-            <a:ext cx="3932237" cy="1600200"/>
+            <a:off x="1792288" y="4800600"/>
+            <a:ext cx="5486400" cy="566738"/>
           </a:xfrm>
         </p:spPr>
         <p:txBody>
           <a:bodyPr anchor="b"/>
           <a:lstStyle>
-            <a:lvl1pPr>
-              <a:defRPr sz="2400"/>
+            <a:lvl1pPr algn="l">
+              <a:defRPr sz="2000" b="1"/>
             </a:lvl1pPr>
           </a:lstStyle>
           <a:p>
-            <a:pPr>
-              <a:defRPr/>
-            </a:pPr>
-            <a:r>
-              <a:rPr/>
+            <a:r>
+              <a:rPr lang="en-US" smtClean="0"/>
               <a:t>Click to edit Master title style</a:t>
             </a:r>
-            <a:endParaRPr/>
+            <a:endParaRPr lang="en-US"/>
           </a:p>
         </p:txBody>
       </p:sp>
@@ -2404,67 +2368,60 @@
         <p:nvSpPr>
           <p:cNvPr id="3" name="Picture Placeholder 2"/>
           <p:cNvSpPr>
-            <a:spLocks noChangeAspect="1" noGrp="1"/>
+            <a:spLocks noGrp="1"/>
           </p:cNvSpPr>
           <p:nvPr>
             <p:ph type="pic" idx="1"/>
           </p:nvPr>
         </p:nvSpPr>
-        <p:spPr bwMode="auto">
+        <p:spPr>
           <a:xfrm>
-            <a:off x="5183187" y="987425"/>
-            <a:ext cx="6172200" cy="4873625"/>
+            <a:off x="1792288" y="612775"/>
+            <a:ext cx="5486400" cy="4114800"/>
           </a:xfrm>
         </p:spPr>
         <p:txBody>
-          <a:bodyPr anchor="t"/>
+          <a:bodyPr/>
           <a:lstStyle>
             <a:lvl1pPr marL="0" indent="0">
               <a:buNone/>
+              <a:defRPr sz="3200"/>
+            </a:lvl1pPr>
+            <a:lvl2pPr marL="457200" indent="0">
+              <a:buNone/>
+              <a:defRPr sz="2800"/>
+            </a:lvl2pPr>
+            <a:lvl3pPr marL="914400" indent="0">
+              <a:buNone/>
               <a:defRPr sz="2400"/>
-            </a:lvl1pPr>
-            <a:lvl2pPr marL="342900" indent="0">
-              <a:buNone/>
-              <a:defRPr sz="2100"/>
-            </a:lvl2pPr>
-            <a:lvl3pPr marL="685800" indent="0">
-              <a:buNone/>
-              <a:defRPr sz="1800"/>
             </a:lvl3pPr>
-            <a:lvl4pPr marL="1028700" indent="0">
-              <a:buNone/>
-              <a:defRPr sz="1500"/>
+            <a:lvl4pPr marL="1371600" indent="0">
+              <a:buNone/>
+              <a:defRPr sz="2000"/>
             </a:lvl4pPr>
-            <a:lvl5pPr marL="1371600" indent="0">
-              <a:buNone/>
-              <a:defRPr sz="1500"/>
+            <a:lvl5pPr marL="1828800" indent="0">
+              <a:buNone/>
+              <a:defRPr sz="2000"/>
             </a:lvl5pPr>
-            <a:lvl6pPr marL="1714500" indent="0">
-              <a:buNone/>
-              <a:defRPr sz="1500"/>
+            <a:lvl6pPr marL="2286000" indent="0">
+              <a:buNone/>
+              <a:defRPr sz="2000"/>
             </a:lvl6pPr>
-            <a:lvl7pPr marL="2057400" indent="0">
-              <a:buNone/>
-              <a:defRPr sz="1500"/>
+            <a:lvl7pPr marL="2743200" indent="0">
+              <a:buNone/>
+              <a:defRPr sz="2000"/>
             </a:lvl7pPr>
-            <a:lvl8pPr marL="2400300" indent="0">
-              <a:buNone/>
-              <a:defRPr sz="1500"/>
+            <a:lvl8pPr marL="3200400" indent="0">
+              <a:buNone/>
+              <a:defRPr sz="2000"/>
             </a:lvl8pPr>
-            <a:lvl9pPr marL="2743200" indent="0">
-              <a:buNone/>
-              <a:defRPr sz="1500"/>
+            <a:lvl9pPr marL="3657600" indent="0">
+              <a:buNone/>
+              <a:defRPr sz="2000"/>
             </a:lvl9pPr>
           </a:lstStyle>
           <a:p>
-            <a:pPr>
-              <a:defRPr/>
-            </a:pPr>
-            <a:r>
-              <a:rPr/>
-              <a:t>Click icon to add picture</a:t>
-            </a:r>
-            <a:endParaRPr/>
+            <a:endParaRPr lang="en-US"/>
           </a:p>
         </p:txBody>
       </p:sp>
@@ -2478,10 +2435,10 @@
             <p:ph type="body" sz="half" idx="2"/>
           </p:nvPr>
         </p:nvSpPr>
-        <p:spPr bwMode="auto">
+        <p:spPr>
           <a:xfrm>
-            <a:off x="839787" y="2057399"/>
-            <a:ext cx="3932237" cy="3811587"/>
+            <a:off x="1792288" y="5367338"/>
+            <a:ext cx="5486400" cy="804862"/>
           </a:xfrm>
         </p:spPr>
         <p:txBody>
@@ -2489,50 +2446,47 @@
           <a:lstStyle>
             <a:lvl1pPr marL="0" indent="0">
               <a:buNone/>
+              <a:defRPr sz="1400"/>
+            </a:lvl1pPr>
+            <a:lvl2pPr marL="457200" indent="0">
+              <a:buNone/>
               <a:defRPr sz="1200"/>
-            </a:lvl1pPr>
-            <a:lvl2pPr marL="342900" indent="0">
-              <a:buNone/>
-              <a:defRPr sz="1050"/>
             </a:lvl2pPr>
-            <a:lvl3pPr marL="685800" indent="0">
+            <a:lvl3pPr marL="914400" indent="0">
+              <a:buNone/>
+              <a:defRPr sz="1000"/>
+            </a:lvl3pPr>
+            <a:lvl4pPr marL="1371600" indent="0">
               <a:buNone/>
               <a:defRPr sz="900"/>
-            </a:lvl3pPr>
-            <a:lvl4pPr marL="1028700" indent="0">
-              <a:buNone/>
-              <a:defRPr sz="750"/>
             </a:lvl4pPr>
-            <a:lvl5pPr marL="1371600" indent="0">
-              <a:buNone/>
-              <a:defRPr sz="750"/>
+            <a:lvl5pPr marL="1828800" indent="0">
+              <a:buNone/>
+              <a:defRPr sz="900"/>
             </a:lvl5pPr>
-            <a:lvl6pPr marL="1714500" indent="0">
-              <a:buNone/>
-              <a:defRPr sz="750"/>
+            <a:lvl6pPr marL="2286000" indent="0">
+              <a:buNone/>
+              <a:defRPr sz="900"/>
             </a:lvl6pPr>
-            <a:lvl7pPr marL="2057400" indent="0">
-              <a:buNone/>
-              <a:defRPr sz="750"/>
+            <a:lvl7pPr marL="2743200" indent="0">
+              <a:buNone/>
+              <a:defRPr sz="900"/>
             </a:lvl7pPr>
-            <a:lvl8pPr marL="2400300" indent="0">
-              <a:buNone/>
-              <a:defRPr sz="750"/>
+            <a:lvl8pPr marL="3200400" indent="0">
+              <a:buNone/>
+              <a:defRPr sz="900"/>
             </a:lvl8pPr>
-            <a:lvl9pPr marL="2743200" indent="0">
-              <a:buNone/>
-              <a:defRPr sz="750"/>
+            <a:lvl9pPr marL="3657600" indent="0">
+              <a:buNone/>
+              <a:defRPr sz="900"/>
             </a:lvl9pPr>
           </a:lstStyle>
           <a:p>
-            <a:pPr lvl="0">
-              <a:defRPr/>
-            </a:pPr>
-            <a:r>
-              <a:rPr/>
+            <a:pPr lvl="0"/>
+            <a:r>
+              <a:rPr lang="en-US" smtClean="0"/>
               <a:t>Click to edit Master text styles</a:t>
             </a:r>
-            <a:endParaRPr/>
           </a:p>
         </p:txBody>
       </p:sp>
@@ -2546,19 +2500,16 @@
             <p:ph type="dt" sz="half" idx="10"/>
           </p:nvPr>
         </p:nvSpPr>
-        <p:spPr bwMode="auto"/>
-        <p:txBody>
-          <a:bodyPr/>
-          <a:lstStyle/>
-          <a:p>
-            <a:pPr>
-              <a:defRPr/>
-            </a:pPr>
-            <a:fld id="{BCC18F51-09EC-435C-A3BA-64A766E099C0}" type="datetimeFigureOut">
-              <a:rPr/>
-              <a:t/>
+        <p:spPr/>
+        <p:txBody>
+          <a:bodyPr/>
+          <a:lstStyle/>
+          <a:p>
+            <a:fld id="{5BCAD085-E8A6-8845-BD4E-CB4CCA059FC4}" type="datetimeFigureOut">
+              <a:rPr lang="en-US" smtClean="0"/>
+              <a:t>1/27/13</a:t>
             </a:fld>
-            <a:endParaRPr/>
+            <a:endParaRPr lang="en-US"/>
           </a:p>
         </p:txBody>
       </p:sp>
@@ -2572,15 +2523,12 @@
             <p:ph type="ftr" sz="quarter" idx="11"/>
           </p:nvPr>
         </p:nvSpPr>
-        <p:spPr bwMode="auto"/>
-        <p:txBody>
-          <a:bodyPr/>
-          <a:lstStyle/>
-          <a:p>
-            <a:pPr>
-              <a:defRPr/>
-            </a:pPr>
-            <a:endParaRPr/>
+        <p:spPr/>
+        <p:txBody>
+          <a:bodyPr/>
+          <a:lstStyle/>
+          <a:p>
+            <a:endParaRPr lang="en-US"/>
           </a:p>
         </p:txBody>
       </p:sp>
@@ -2594,23 +2542,25 @@
             <p:ph type="sldNum" sz="quarter" idx="12"/>
           </p:nvPr>
         </p:nvSpPr>
-        <p:spPr bwMode="auto"/>
-        <p:txBody>
-          <a:bodyPr/>
-          <a:lstStyle/>
-          <a:p>
-            <a:pPr>
-              <a:defRPr/>
-            </a:pPr>
-            <a:fld id="{08395586-F03A-48D1-94DF-16B239DF4FB5}" type="slidenum">
-              <a:rPr/>
-              <a:t/>
+        <p:spPr/>
+        <p:txBody>
+          <a:bodyPr/>
+          <a:lstStyle/>
+          <a:p>
+            <a:fld id="{C1FF6DA9-008F-8B48-92A6-B652298478BF}" type="slidenum">
+              <a:rPr lang="en-US" smtClean="0"/>
+              <a:t>‹#›</a:t>
             </a:fld>
-            <a:endParaRPr/>
+            <a:endParaRPr lang="en-US"/>
           </a:p>
         </p:txBody>
       </p:sp>
     </p:spTree>
+    <p:extLst>
+      <p:ext uri="{BB962C8B-B14F-4D97-AF65-F5344CB8AC3E}">
+        <p14:creationId xmlns:p14="http://schemas.microsoft.com/office/powerpoint/2010/main" val="3889236939"/>
+      </p:ext>
+    </p:extLst>
   </p:cSld>
   <p:clrMapOvr>
     <a:masterClrMapping/>
@@ -2619,8 +2569,8 @@
 </file>
 
 <file path=ppt/slideMasters/slideMaster1.xml><?xml version="1.0" encoding="utf-8"?>
-<p:sldMaster xmlns:a="http://schemas.openxmlformats.org/drawingml/2006/main" xmlns:r="http://schemas.openxmlformats.org/officeDocument/2006/relationships" xmlns:p="http://schemas.openxmlformats.org/presentationml/2006/main" xmlns:m="http://schemas.openxmlformats.org/officeDocument/2006/math" xmlns:w="http://schemas.openxmlformats.org/wordprocessingml/2006/main" preserve="0">
-  <p:cSld name="">
+<p:sldMaster xmlns:a="http://schemas.openxmlformats.org/drawingml/2006/main" xmlns:r="http://schemas.openxmlformats.org/officeDocument/2006/relationships" xmlns:p="http://schemas.openxmlformats.org/presentationml/2006/main">
+  <p:cSld>
     <p:bg>
       <p:bgRef idx="1001">
         <a:schemeClr val="bg1"/>
@@ -2632,7 +2582,7 @@
         <p:cNvGrpSpPr/>
         <p:nvPr/>
       </p:nvGrpSpPr>
-      <p:grpSpPr bwMode="auto">
+      <p:grpSpPr>
         <a:xfrm>
           <a:off x="0" y="0"/>
           <a:ext cx="0" cy="0"/>
@@ -2650,10 +2600,10 @@
             <p:ph type="title"/>
           </p:nvPr>
         </p:nvSpPr>
-        <p:spPr bwMode="auto">
+        <p:spPr>
           <a:xfrm>
-            <a:off x="838199" y="365125"/>
-            <a:ext cx="10515600" cy="1325562"/>
+            <a:off x="457200" y="274638"/>
+            <a:ext cx="8229600" cy="1143000"/>
           </a:xfrm>
           <a:prstGeom prst="rect">
             <a:avLst/>
@@ -2665,14 +2615,11 @@
           </a:bodyPr>
           <a:lstStyle/>
           <a:p>
-            <a:pPr>
-              <a:defRPr/>
-            </a:pPr>
-            <a:r>
-              <a:rPr/>
+            <a:r>
+              <a:rPr lang="en-US" smtClean="0"/>
               <a:t>Click to edit Master title style</a:t>
             </a:r>
-            <a:endParaRPr/>
+            <a:endParaRPr lang="en-US"/>
           </a:p>
         </p:txBody>
       </p:sp>
@@ -2686,10 +2633,10 @@
             <p:ph type="body" idx="1"/>
           </p:nvPr>
         </p:nvSpPr>
-        <p:spPr bwMode="auto">
+        <p:spPr>
           <a:xfrm>
-            <a:off x="838199" y="1825625"/>
-            <a:ext cx="10515600" cy="4351338"/>
+            <a:off x="457200" y="1600200"/>
+            <a:ext cx="8229600" cy="4525963"/>
           </a:xfrm>
           <a:prstGeom prst="rect">
             <a:avLst/>
@@ -2701,54 +2648,40 @@
           </a:bodyPr>
           <a:lstStyle/>
           <a:p>
-            <a:pPr lvl="0">
-              <a:defRPr/>
-            </a:pPr>
-            <a:r>
-              <a:rPr/>
+            <a:pPr lvl="0"/>
+            <a:r>
+              <a:rPr lang="en-US" smtClean="0"/>
               <a:t>Click to edit Master text styles</a:t>
             </a:r>
-            <a:endParaRPr/>
-          </a:p>
-          <a:p>
-            <a:pPr lvl="1">
-              <a:defRPr/>
-            </a:pPr>
-            <a:r>
-              <a:rPr/>
+          </a:p>
+          <a:p>
+            <a:pPr lvl="1"/>
+            <a:r>
+              <a:rPr lang="en-US" smtClean="0"/>
               <a:t>Second level</a:t>
             </a:r>
-            <a:endParaRPr/>
-          </a:p>
-          <a:p>
-            <a:pPr lvl="2">
-              <a:defRPr/>
-            </a:pPr>
-            <a:r>
-              <a:rPr/>
+          </a:p>
+          <a:p>
+            <a:pPr lvl="2"/>
+            <a:r>
+              <a:rPr lang="en-US" smtClean="0"/>
               <a:t>Third level</a:t>
             </a:r>
-            <a:endParaRPr/>
-          </a:p>
-          <a:p>
-            <a:pPr lvl="3">
-              <a:defRPr/>
-            </a:pPr>
-            <a:r>
-              <a:rPr/>
+          </a:p>
+          <a:p>
+            <a:pPr lvl="3"/>
+            <a:r>
+              <a:rPr lang="en-US" smtClean="0"/>
               <a:t>Fourth level</a:t>
             </a:r>
-            <a:endParaRPr/>
-          </a:p>
-          <a:p>
-            <a:pPr lvl="4">
-              <a:defRPr/>
-            </a:pPr>
-            <a:r>
-              <a:rPr/>
+          </a:p>
+          <a:p>
+            <a:pPr lvl="4"/>
+            <a:r>
+              <a:rPr lang="en-US" smtClean="0"/>
               <a:t>Fifth level</a:t>
             </a:r>
-            <a:endParaRPr/>
+            <a:endParaRPr lang="en-US"/>
           </a:p>
         </p:txBody>
       </p:sp>
@@ -2762,10 +2695,10 @@
             <p:ph type="dt" sz="half" idx="2"/>
           </p:nvPr>
         </p:nvSpPr>
-        <p:spPr bwMode="auto">
+        <p:spPr>
           <a:xfrm>
-            <a:off x="838199" y="6356350"/>
-            <a:ext cx="2743200" cy="365125"/>
+            <a:off x="457200" y="6356350"/>
+            <a:ext cx="2133600" cy="365125"/>
           </a:xfrm>
           <a:prstGeom prst="rect">
             <a:avLst/>
@@ -2775,7 +2708,7 @@
           <a:bodyPr vert="horz" lIns="91440" tIns="45720" rIns="91440" bIns="45720" rtlCol="0" anchor="ctr"/>
           <a:lstStyle>
             <a:lvl1pPr algn="l">
-              <a:defRPr sz="900">
+              <a:defRPr sz="1200">
                 <a:solidFill>
                   <a:schemeClr val="tx1">
                     <a:tint val="75000"/>
@@ -2785,14 +2718,11 @@
             </a:lvl1pPr>
           </a:lstStyle>
           <a:p>
-            <a:pPr>
-              <a:defRPr/>
-            </a:pPr>
-            <a:fld id="{BCC18F51-09EC-435C-A3BA-64A766E099C0}" type="datetimeFigureOut">
-              <a:rPr/>
-              <a:t/>
+            <a:fld id="{5BCAD085-E8A6-8845-BD4E-CB4CCA059FC4}" type="datetimeFigureOut">
+              <a:rPr lang="en-US" smtClean="0"/>
+              <a:t>1/27/13</a:t>
             </a:fld>
-            <a:endParaRPr/>
+            <a:endParaRPr lang="en-US"/>
           </a:p>
         </p:txBody>
       </p:sp>
@@ -2806,10 +2736,10 @@
             <p:ph type="ftr" sz="quarter" idx="3"/>
           </p:nvPr>
         </p:nvSpPr>
-        <p:spPr bwMode="auto">
+        <p:spPr>
           <a:xfrm>
-            <a:off x="4038599" y="6356350"/>
-            <a:ext cx="4114800" cy="365125"/>
+            <a:off x="3124200" y="6356350"/>
+            <a:ext cx="2895600" cy="365125"/>
           </a:xfrm>
           <a:prstGeom prst="rect">
             <a:avLst/>
@@ -2819,7 +2749,7 @@
           <a:bodyPr vert="horz" lIns="91440" tIns="45720" rIns="91440" bIns="45720" rtlCol="0" anchor="ctr"/>
           <a:lstStyle>
             <a:lvl1pPr algn="ctr">
-              <a:defRPr sz="900">
+              <a:defRPr sz="1200">
                 <a:solidFill>
                   <a:schemeClr val="tx1">
                     <a:tint val="75000"/>
@@ -2829,10 +2759,7 @@
             </a:lvl1pPr>
           </a:lstStyle>
           <a:p>
-            <a:pPr>
-              <a:defRPr/>
-            </a:pPr>
-            <a:endParaRPr/>
+            <a:endParaRPr lang="en-US"/>
           </a:p>
         </p:txBody>
       </p:sp>
@@ -2846,10 +2773,10 @@
             <p:ph type="sldNum" sz="quarter" idx="4"/>
           </p:nvPr>
         </p:nvSpPr>
-        <p:spPr bwMode="auto">
+        <p:spPr>
           <a:xfrm>
-            <a:off x="8610599" y="6356350"/>
-            <a:ext cx="2743200" cy="365125"/>
+            <a:off x="6553200" y="6356350"/>
+            <a:ext cx="2133600" cy="365125"/>
           </a:xfrm>
           <a:prstGeom prst="rect">
             <a:avLst/>
@@ -2859,7 +2786,7 @@
           <a:bodyPr vert="horz" lIns="91440" tIns="45720" rIns="91440" bIns="45720" rtlCol="0" anchor="ctr"/>
           <a:lstStyle>
             <a:lvl1pPr algn="r">
-              <a:defRPr sz="900">
+              <a:defRPr sz="1200">
                 <a:solidFill>
                   <a:schemeClr val="tx1">
                     <a:tint val="75000"/>
@@ -2869,18 +2796,20 @@
             </a:lvl1pPr>
           </a:lstStyle>
           <a:p>
-            <a:pPr>
-              <a:defRPr/>
-            </a:pPr>
-            <a:fld id="{08395586-F03A-48D1-94DF-16B239DF4FB5}" type="slidenum">
-              <a:rPr/>
-              <a:t/>
+            <a:fld id="{C1FF6DA9-008F-8B48-92A6-B652298478BF}" type="slidenum">
+              <a:rPr lang="en-US" smtClean="0"/>
+              <a:t>‹#›</a:t>
             </a:fld>
-            <a:endParaRPr/>
+            <a:endParaRPr lang="en-US"/>
           </a:p>
         </p:txBody>
       </p:sp>
     </p:spTree>
+    <p:extLst>
+      <p:ext uri="{BB962C8B-B14F-4D97-AF65-F5344CB8AC3E}">
+        <p14:creationId xmlns:p14="http://schemas.microsoft.com/office/powerpoint/2010/main" val="2209977519"/>
+      </p:ext>
+    </p:extLst>
   </p:cSld>
   <p:clrMap bg1="lt1" tx1="dk1" bg2="lt2" tx2="dk2" accent1="accent1" accent2="accent2" accent3="accent3" accent4="accent4" accent5="accent5" accent6="accent6" hlink="hlink" folHlink="folHlink"/>
   <p:sldLayoutIdLst>
@@ -2898,15 +2827,12 @@
   </p:sldLayoutIdLst>
   <p:txStyles>
     <p:titleStyle>
-      <a:lvl1pPr algn="l" defTabSz="685800">
-        <a:lnSpc>
-          <a:spcPct val="90000"/>
-        </a:lnSpc>
+      <a:lvl1pPr algn="ctr" defTabSz="457200" rtl="0" eaLnBrk="1" latinLnBrk="0" hangingPunct="1">
         <a:spcBef>
-          <a:spcPts val="0"/>
+          <a:spcPct val="0"/>
         </a:spcBef>
         <a:buNone/>
-        <a:defRPr sz="3300">
+        <a:defRPr sz="4400" kern="1200">
           <a:solidFill>
             <a:schemeClr val="tx1"/>
           </a:solidFill>
@@ -2917,16 +2843,13 @@
       </a:lvl1pPr>
     </p:titleStyle>
     <p:bodyStyle>
-      <a:lvl1pPr marL="171450" indent="-171450" algn="l" defTabSz="685800">
-        <a:lnSpc>
-          <a:spcPct val="90000"/>
-        </a:lnSpc>
+      <a:lvl1pPr marL="342900" indent="-342900" algn="l" defTabSz="457200" rtl="0" eaLnBrk="1" latinLnBrk="0" hangingPunct="1">
         <a:spcBef>
-          <a:spcPts val="749"/>
+          <a:spcPct val="20000"/>
         </a:spcBef>
         <a:buFont typeface="Arial"/>
         <a:buChar char="•"/>
-        <a:defRPr sz="2100">
+        <a:defRPr sz="3200" kern="1200">
           <a:solidFill>
             <a:schemeClr val="tx1"/>
           </a:solidFill>
@@ -2935,16 +2858,13 @@
           <a:cs typeface="+mn-cs"/>
         </a:defRPr>
       </a:lvl1pPr>
-      <a:lvl2pPr marL="514350" indent="-171450" algn="l" defTabSz="685800">
-        <a:lnSpc>
-          <a:spcPct val="90000"/>
-        </a:lnSpc>
+      <a:lvl2pPr marL="742950" indent="-285750" algn="l" defTabSz="457200" rtl="0" eaLnBrk="1" latinLnBrk="0" hangingPunct="1">
         <a:spcBef>
-          <a:spcPts val="374"/>
+          <a:spcPct val="20000"/>
         </a:spcBef>
         <a:buFont typeface="Arial"/>
-        <a:buChar char="•"/>
-        <a:defRPr sz="1800">
+        <a:buChar char="–"/>
+        <a:defRPr sz="2800" kern="1200">
           <a:solidFill>
             <a:schemeClr val="tx1"/>
           </a:solidFill>
@@ -2953,16 +2873,13 @@
           <a:cs typeface="+mn-cs"/>
         </a:defRPr>
       </a:lvl2pPr>
-      <a:lvl3pPr marL="857250" indent="-171450" algn="l" defTabSz="685800">
-        <a:lnSpc>
-          <a:spcPct val="90000"/>
-        </a:lnSpc>
+      <a:lvl3pPr marL="1143000" indent="-228600" algn="l" defTabSz="457200" rtl="0" eaLnBrk="1" latinLnBrk="0" hangingPunct="1">
         <a:spcBef>
-          <a:spcPts val="374"/>
+          <a:spcPct val="20000"/>
         </a:spcBef>
         <a:buFont typeface="Arial"/>
         <a:buChar char="•"/>
-        <a:defRPr sz="1500">
+        <a:defRPr sz="2400" kern="1200">
           <a:solidFill>
             <a:schemeClr val="tx1"/>
           </a:solidFill>
@@ -2971,16 +2888,13 @@
           <a:cs typeface="+mn-cs"/>
         </a:defRPr>
       </a:lvl3pPr>
-      <a:lvl4pPr marL="1200150" indent="-171450" algn="l" defTabSz="685800">
-        <a:lnSpc>
-          <a:spcPct val="90000"/>
-        </a:lnSpc>
+      <a:lvl4pPr marL="1600200" indent="-228600" algn="l" defTabSz="457200" rtl="0" eaLnBrk="1" latinLnBrk="0" hangingPunct="1">
         <a:spcBef>
-          <a:spcPts val="374"/>
+          <a:spcPct val="20000"/>
         </a:spcBef>
         <a:buFont typeface="Arial"/>
-        <a:buChar char="•"/>
-        <a:defRPr sz="1350">
+        <a:buChar char="–"/>
+        <a:defRPr sz="2000" kern="1200">
           <a:solidFill>
             <a:schemeClr val="tx1"/>
           </a:solidFill>
@@ -2989,16 +2903,13 @@
           <a:cs typeface="+mn-cs"/>
         </a:defRPr>
       </a:lvl4pPr>
-      <a:lvl5pPr marL="1543050" indent="-171450" algn="l" defTabSz="685800">
-        <a:lnSpc>
-          <a:spcPct val="90000"/>
-        </a:lnSpc>
+      <a:lvl5pPr marL="2057400" indent="-228600" algn="l" defTabSz="457200" rtl="0" eaLnBrk="1" latinLnBrk="0" hangingPunct="1">
         <a:spcBef>
-          <a:spcPts val="374"/>
+          <a:spcPct val="20000"/>
         </a:spcBef>
         <a:buFont typeface="Arial"/>
-        <a:buChar char="•"/>
-        <a:defRPr sz="1350">
+        <a:buChar char="»"/>
+        <a:defRPr sz="2000" kern="1200">
           <a:solidFill>
             <a:schemeClr val="tx1"/>
           </a:solidFill>
@@ -3007,16 +2918,13 @@
           <a:cs typeface="+mn-cs"/>
         </a:defRPr>
       </a:lvl5pPr>
-      <a:lvl6pPr marL="1885950" indent="-171450" algn="l" defTabSz="685800">
-        <a:lnSpc>
-          <a:spcPct val="90000"/>
-        </a:lnSpc>
+      <a:lvl6pPr marL="2514600" indent="-228600" algn="l" defTabSz="457200" rtl="0" eaLnBrk="1" latinLnBrk="0" hangingPunct="1">
         <a:spcBef>
-          <a:spcPts val="374"/>
+          <a:spcPct val="20000"/>
         </a:spcBef>
         <a:buFont typeface="Arial"/>
         <a:buChar char="•"/>
-        <a:defRPr sz="1350">
+        <a:defRPr sz="2000" kern="1200">
           <a:solidFill>
             <a:schemeClr val="tx1"/>
           </a:solidFill>
@@ -3025,16 +2933,13 @@
           <a:cs typeface="+mn-cs"/>
         </a:defRPr>
       </a:lvl6pPr>
-      <a:lvl7pPr marL="2228850" indent="-171450" algn="l" defTabSz="685800">
-        <a:lnSpc>
-          <a:spcPct val="90000"/>
-        </a:lnSpc>
+      <a:lvl7pPr marL="2971800" indent="-228600" algn="l" defTabSz="457200" rtl="0" eaLnBrk="1" latinLnBrk="0" hangingPunct="1">
         <a:spcBef>
-          <a:spcPts val="374"/>
+          <a:spcPct val="20000"/>
         </a:spcBef>
         <a:buFont typeface="Arial"/>
         <a:buChar char="•"/>
-        <a:defRPr sz="1350">
+        <a:defRPr sz="2000" kern="1200">
           <a:solidFill>
             <a:schemeClr val="tx1"/>
           </a:solidFill>
@@ -3043,16 +2948,13 @@
           <a:cs typeface="+mn-cs"/>
         </a:defRPr>
       </a:lvl7pPr>
-      <a:lvl8pPr marL="2571750" indent="-171450" algn="l" defTabSz="685800">
-        <a:lnSpc>
-          <a:spcPct val="90000"/>
-        </a:lnSpc>
+      <a:lvl8pPr marL="3429000" indent="-228600" algn="l" defTabSz="457200" rtl="0" eaLnBrk="1" latinLnBrk="0" hangingPunct="1">
         <a:spcBef>
-          <a:spcPts val="374"/>
+          <a:spcPct val="20000"/>
         </a:spcBef>
         <a:buFont typeface="Arial"/>
         <a:buChar char="•"/>
-        <a:defRPr sz="1350">
+        <a:defRPr sz="2000" kern="1200">
           <a:solidFill>
             <a:schemeClr val="tx1"/>
           </a:solidFill>
@@ -3061,16 +2963,13 @@
           <a:cs typeface="+mn-cs"/>
         </a:defRPr>
       </a:lvl8pPr>
-      <a:lvl9pPr marL="2914650" indent="-171450" algn="l" defTabSz="685800">
-        <a:lnSpc>
-          <a:spcPct val="90000"/>
-        </a:lnSpc>
+      <a:lvl9pPr marL="3886200" indent="-228600" algn="l" defTabSz="457200" rtl="0" eaLnBrk="1" latinLnBrk="0" hangingPunct="1">
         <a:spcBef>
-          <a:spcPts val="374"/>
+          <a:spcPct val="20000"/>
         </a:spcBef>
         <a:buFont typeface="Arial"/>
         <a:buChar char="•"/>
-        <a:defRPr sz="1350">
+        <a:defRPr sz="2000" kern="1200">
           <a:solidFill>
             <a:schemeClr val="tx1"/>
           </a:solidFill>
@@ -3082,10 +2981,10 @@
     </p:bodyStyle>
     <p:otherStyle>
       <a:defPPr>
-        <a:defRPr/>
+        <a:defRPr lang="en-US"/>
       </a:defPPr>
-      <a:lvl1pPr marL="0" algn="l" defTabSz="685800">
-        <a:defRPr sz="1350">
+      <a:lvl1pPr marL="0" algn="l" defTabSz="457200" rtl="0" eaLnBrk="1" latinLnBrk="0" hangingPunct="1">
+        <a:defRPr sz="1800" kern="1200">
           <a:solidFill>
             <a:schemeClr val="tx1"/>
           </a:solidFill>
@@ -3094,8 +2993,8 @@
           <a:cs typeface="+mn-cs"/>
         </a:defRPr>
       </a:lvl1pPr>
-      <a:lvl2pPr marL="342900" algn="l" defTabSz="685800">
-        <a:defRPr sz="1350">
+      <a:lvl2pPr marL="457200" algn="l" defTabSz="457200" rtl="0" eaLnBrk="1" latinLnBrk="0" hangingPunct="1">
+        <a:defRPr sz="1800" kern="1200">
           <a:solidFill>
             <a:schemeClr val="tx1"/>
           </a:solidFill>
@@ -3104,8 +3003,8 @@
           <a:cs typeface="+mn-cs"/>
         </a:defRPr>
       </a:lvl2pPr>
-      <a:lvl3pPr marL="685800" algn="l" defTabSz="685800">
-        <a:defRPr sz="1350">
+      <a:lvl3pPr marL="914400" algn="l" defTabSz="457200" rtl="0" eaLnBrk="1" latinLnBrk="0" hangingPunct="1">
+        <a:defRPr sz="1800" kern="1200">
           <a:solidFill>
             <a:schemeClr val="tx1"/>
           </a:solidFill>
@@ -3114,8 +3013,8 @@
           <a:cs typeface="+mn-cs"/>
         </a:defRPr>
       </a:lvl3pPr>
-      <a:lvl4pPr marL="1028700" algn="l" defTabSz="685800">
-        <a:defRPr sz="1350">
+      <a:lvl4pPr marL="1371600" algn="l" defTabSz="457200" rtl="0" eaLnBrk="1" latinLnBrk="0" hangingPunct="1">
+        <a:defRPr sz="1800" kern="1200">
           <a:solidFill>
             <a:schemeClr val="tx1"/>
           </a:solidFill>
@@ -3124,8 +3023,8 @@
           <a:cs typeface="+mn-cs"/>
         </a:defRPr>
       </a:lvl4pPr>
-      <a:lvl5pPr marL="1371600" algn="l" defTabSz="685800">
-        <a:defRPr sz="1350">
+      <a:lvl5pPr marL="1828800" algn="l" defTabSz="457200" rtl="0" eaLnBrk="1" latinLnBrk="0" hangingPunct="1">
+        <a:defRPr sz="1800" kern="1200">
           <a:solidFill>
             <a:schemeClr val="tx1"/>
           </a:solidFill>
@@ -3134,8 +3033,8 @@
           <a:cs typeface="+mn-cs"/>
         </a:defRPr>
       </a:lvl5pPr>
-      <a:lvl6pPr marL="1714500" algn="l" defTabSz="685800">
-        <a:defRPr sz="1350">
+      <a:lvl6pPr marL="2286000" algn="l" defTabSz="457200" rtl="0" eaLnBrk="1" latinLnBrk="0" hangingPunct="1">
+        <a:defRPr sz="1800" kern="1200">
           <a:solidFill>
             <a:schemeClr val="tx1"/>
           </a:solidFill>
@@ -3144,8 +3043,8 @@
           <a:cs typeface="+mn-cs"/>
         </a:defRPr>
       </a:lvl6pPr>
-      <a:lvl7pPr marL="2057400" algn="l" defTabSz="685800">
-        <a:defRPr sz="1350">
+      <a:lvl7pPr marL="2743200" algn="l" defTabSz="457200" rtl="0" eaLnBrk="1" latinLnBrk="0" hangingPunct="1">
+        <a:defRPr sz="1800" kern="1200">
           <a:solidFill>
             <a:schemeClr val="tx1"/>
           </a:solidFill>
@@ -3154,8 +3053,8 @@
           <a:cs typeface="+mn-cs"/>
         </a:defRPr>
       </a:lvl7pPr>
-      <a:lvl8pPr marL="2400300" algn="l" defTabSz="685800">
-        <a:defRPr sz="1350">
+      <a:lvl8pPr marL="3200400" algn="l" defTabSz="457200" rtl="0" eaLnBrk="1" latinLnBrk="0" hangingPunct="1">
+        <a:defRPr sz="1800" kern="1200">
           <a:solidFill>
             <a:schemeClr val="tx1"/>
           </a:solidFill>
@@ -3164,8 +3063,8 @@
           <a:cs typeface="+mn-cs"/>
         </a:defRPr>
       </a:lvl8pPr>
-      <a:lvl9pPr marL="2743200" algn="l" defTabSz="685800">
-        <a:defRPr sz="1350">
+      <a:lvl9pPr marL="3657600" algn="l" defTabSz="457200" rtl="0" eaLnBrk="1" latinLnBrk="0" hangingPunct="1">
+        <a:defRPr sz="1800" kern="1200">
           <a:solidFill>
             <a:schemeClr val="tx1"/>
           </a:solidFill>
@@ -3180,22 +3079,15 @@
 </file>
 
 <file path=ppt/slides/slide1.xml><?xml version="1.0" encoding="utf-8"?>
-<p:sld xmlns:a="http://schemas.openxmlformats.org/drawingml/2006/main" xmlns:r="http://schemas.openxmlformats.org/officeDocument/2006/relationships" xmlns:p="http://schemas.openxmlformats.org/presentationml/2006/main" xmlns:m="http://schemas.openxmlformats.org/officeDocument/2006/math" xmlns:w="http://schemas.openxmlformats.org/wordprocessingml/2006/main" showMasterPhAnim="0" show="1">
-  <p:cSld name="">
+<p:sld xmlns:a="http://schemas.openxmlformats.org/drawingml/2006/main" xmlns:p="http://schemas.openxmlformats.org/presentationml/2006/main" xmlns:r="http://schemas.openxmlformats.org/officeDocument/2006/relationships">
+  <p:cSld>
     <p:spTree>
       <p:nvGrpSpPr>
         <p:cNvPr id="1" name=""/>
         <p:cNvGrpSpPr/>
         <p:nvPr/>
       </p:nvGrpSpPr>
-      <p:grpSpPr bwMode="auto">
-        <a:xfrm>
-          <a:off x="0" y="0"/>
-          <a:ext cx="0" cy="0"/>
-          <a:chOff x="0" y="0"/>
-          <a:chExt cx="0" cy="0"/>
-        </a:xfrm>
-      </p:grpSpPr>
+      <p:grpSpPr/>
       <p:sp>
         <p:nvSpPr>
           <p:cNvPr id="2" name="Title 1"/>
@@ -3203,49 +3095,62 @@
             <a:spLocks noGrp="1"/>
           </p:cNvSpPr>
           <p:nvPr>
-            <p:ph type="ctrTitle"/>
-          </p:nvPr>
-        </p:nvSpPr>
-        <p:spPr bwMode="auto"/>
-        <p:txBody>
-          <a:bodyPr/>
-          <a:lstStyle/>
-          <a:p>
-            <a:pPr>
-              <a:defRPr/>
-            </a:pPr>
-            <a:r>
-              <a:rPr lang="en-US"/>
-              <a:t>Welcome to InkPPT</a:t>
-            </a:r>
-            <a:endParaRPr lang="en-US"/>
-          </a:p>
-        </p:txBody>
-      </p:sp>
-      <p:sp>
-        <p:nvSpPr>
-          <p:cNvPr id="3" name="Subtitle 2"/>
-          <p:cNvSpPr>
-            <a:spLocks noGrp="1"/>
-          </p:cNvSpPr>
-          <p:nvPr>
-            <p:ph type="subTitle" idx="1"/>
-          </p:nvPr>
-        </p:nvSpPr>
-        <p:spPr bwMode="auto"/>
-        <p:txBody>
-          <a:bodyPr/>
-          <a:lstStyle/>
-          <a:p>
-            <a:pPr>
-              <a:defRPr/>
-            </a:pPr>
-            <a:r>
-              <a:rPr lang="en-US"/>
-              <a:t>This is a demo ppt to test the backend endpoint.</a:t>
-            </a:r>
-            <a:endParaRPr lang="en-US"/>
-          </a:p>
+            <p:ph type="title"/>
+          </p:nvPr>
+        </p:nvSpPr>
+        <p:spPr/>
+        <p:txBody>
+          <a:bodyPr/>
+          <a:lstStyle/>
+          <a:p>
+            <a:r>
+              <a:t>Text Recognition: Supported Languages</a:t>
+            </a:r>
+          </a:p>
+          <a:p/>
+        </p:txBody>
+      </p:sp>
+      <p:sp>
+        <p:nvSpPr>
+          <p:cNvPr id="3" name="Content Placeholder 2"/>
+          <p:cNvSpPr>
+            <a:spLocks noGrp="1"/>
+          </p:cNvSpPr>
+          <p:nvPr>
+            <p:ph idx="1"/>
+          </p:nvPr>
+        </p:nvSpPr>
+        <p:spPr/>
+        <p:txBody>
+          <a:bodyPr/>
+          <a:lstStyle/>
+          <a:p>
+            <a:r>
+              <a:t>* Text recognition supports multiple scripts and languages.</a:t>
+            </a:r>
+          </a:p>
+          <a:p>
+            <a:r>
+              <a:t>* Three support levels exist: Supported, Experimental, and Mapped.</a:t>
+            </a:r>
+          </a:p>
+          <a:p>
+            <a:r>
+              <a:t>* Supported languages are prioritized and regularly evaluated.</a:t>
+            </a:r>
+          </a:p>
+          <a:p>
+            <a:r>
+              <a:t>* Experimental languages are under development but lack regular evaluation.</a:t>
+            </a:r>
+          </a:p>
+          <a:p>
+            <a:r>
+              <a:t>* Mapped languages leverage other language codes or general character recognition (e.g., enGB maps to en).</a:t>
+            </a:r>
+          </a:p>
+          <a:p/>
+          <a:p/>
         </p:txBody>
       </p:sp>
     </p:spTree>
@@ -3253,21 +3158,13 @@
   <p:clrMapOvr>
     <a:masterClrMapping/>
   </p:clrMapOvr>
-  <mc:AlternateContent xmlns:mc="http://schemas.openxmlformats.org/markup-compatibility/2006">
-    <mc:Choice xmlns:p14="http://schemas.microsoft.com/office/powerpoint/2010/main" Requires="p14">
-      <p:transition p14:dur="2000" advClick="1"/>
-    </mc:Choice>
-    <mc:Fallback>
-      <p:transition advClick="1"/>
-    </mc:Fallback>
-  </mc:AlternateContent>
 </p:sld>
 </file>
 
 <file path=ppt/theme/theme1.xml><?xml version="1.0" encoding="utf-8"?>
-<a:theme xmlns:a="http://schemas.openxmlformats.org/drawingml/2006/main" xmlns:r="http://schemas.openxmlformats.org/officeDocument/2006/relationships" xmlns:p="http://schemas.openxmlformats.org/presentationml/2006/main" name="Blank">
+<a:theme xmlns:a="http://schemas.openxmlformats.org/drawingml/2006/main" name="Office Theme">
   <a:themeElements>
-    <a:clrScheme name="Office Theme">
+    <a:clrScheme name="Office">
       <a:dk1>
         <a:sysClr val="windowText" lastClr="000000"/>
       </a:dk1>
@@ -3275,127 +3172,177 @@
         <a:sysClr val="window" lastClr="FFFFFF"/>
       </a:lt1>
       <a:dk2>
-        <a:srgbClr val="44546A"/>
+        <a:srgbClr val="1F497D"/>
       </a:dk2>
       <a:lt2>
-        <a:srgbClr val="E7E6E6"/>
+        <a:srgbClr val="EEECE1"/>
       </a:lt2>
       <a:accent1>
-        <a:srgbClr val="5B9BD5"/>
+        <a:srgbClr val="4F81BD"/>
       </a:accent1>
       <a:accent2>
-        <a:srgbClr val="ED7D31"/>
+        <a:srgbClr val="C0504D"/>
       </a:accent2>
       <a:accent3>
-        <a:srgbClr val="A5A5A5"/>
+        <a:srgbClr val="9BBB59"/>
       </a:accent3>
       <a:accent4>
-        <a:srgbClr val="FFC000"/>
+        <a:srgbClr val="8064A2"/>
       </a:accent4>
       <a:accent5>
-        <a:srgbClr val="4472C4"/>
+        <a:srgbClr val="4BACC6"/>
       </a:accent5>
       <a:accent6>
-        <a:srgbClr val="70AD47"/>
+        <a:srgbClr val="F79646"/>
       </a:accent6>
       <a:hlink>
-        <a:srgbClr val="0563C1"/>
+        <a:srgbClr val="0000FF"/>
       </a:hlink>
       <a:folHlink>
-        <a:srgbClr val="954F72"/>
+        <a:srgbClr val="800080"/>
       </a:folHlink>
     </a:clrScheme>
-    <a:fontScheme name="Office Theme">
+    <a:fontScheme name="Office">
       <a:majorFont>
-        <a:latin typeface="Arial"/>
-        <a:ea typeface="Arial"/>
-        <a:cs typeface="Arial"/>
+        <a:latin typeface="Calibri"/>
+        <a:ea typeface=""/>
+        <a:cs typeface=""/>
+        <a:font script="Jpan" typeface="ＭＳ Ｐゴシック"/>
+        <a:font script="Hang" typeface="맑은 고딕"/>
+        <a:font script="Hans" typeface="宋体"/>
+        <a:font script="Hant" typeface="新細明體"/>
+        <a:font script="Arab" typeface="Times New Roman"/>
+        <a:font script="Hebr" typeface="Times New Roman"/>
+        <a:font script="Thai" typeface="Angsana New"/>
+        <a:font script="Ethi" typeface="Nyala"/>
+        <a:font script="Beng" typeface="Vrinda"/>
+        <a:font script="Gujr" typeface="Shruti"/>
+        <a:font script="Khmr" typeface="MoolBoran"/>
+        <a:font script="Knda" typeface="Tunga"/>
+        <a:font script="Guru" typeface="Raavi"/>
+        <a:font script="Cans" typeface="Euphemia"/>
+        <a:font script="Cher" typeface="Plantagenet Cherokee"/>
+        <a:font script="Yiii" typeface="Microsoft Yi Baiti"/>
+        <a:font script="Tibt" typeface="Microsoft Himalaya"/>
+        <a:font script="Thaa" typeface="MV Boli"/>
+        <a:font script="Deva" typeface="Mangal"/>
+        <a:font script="Telu" typeface="Gautami"/>
+        <a:font script="Taml" typeface="Latha"/>
+        <a:font script="Syrc" typeface="Estrangelo Edessa"/>
+        <a:font script="Orya" typeface="Kalinga"/>
+        <a:font script="Mlym" typeface="Kartika"/>
+        <a:font script="Laoo" typeface="DokChampa"/>
+        <a:font script="Sinh" typeface="Iskoola Pota"/>
+        <a:font script="Mong" typeface="Mongolian Baiti"/>
+        <a:font script="Viet" typeface="Times New Roman"/>
+        <a:font script="Uigh" typeface="Microsoft Uighur"/>
+        <a:font script="Geor" typeface="Sylfaen"/>
       </a:majorFont>
       <a:minorFont>
-        <a:latin typeface="Arial"/>
-        <a:ea typeface="Arial"/>
-        <a:cs typeface="Arial"/>
+        <a:latin typeface="Calibri"/>
+        <a:ea typeface=""/>
+        <a:cs typeface=""/>
+        <a:font script="Jpan" typeface="ＭＳ Ｐゴシック"/>
+        <a:font script="Hang" typeface="맑은 고딕"/>
+        <a:font script="Hans" typeface="宋体"/>
+        <a:font script="Hant" typeface="新細明體"/>
+        <a:font script="Arab" typeface="Arial"/>
+        <a:font script="Hebr" typeface="Arial"/>
+        <a:font script="Thai" typeface="Cordia New"/>
+        <a:font script="Ethi" typeface="Nyala"/>
+        <a:font script="Beng" typeface="Vrinda"/>
+        <a:font script="Gujr" typeface="Shruti"/>
+        <a:font script="Khmr" typeface="DaunPenh"/>
+        <a:font script="Knda" typeface="Tunga"/>
+        <a:font script="Guru" typeface="Raavi"/>
+        <a:font script="Cans" typeface="Euphemia"/>
+        <a:font script="Cher" typeface="Plantagenet Cherokee"/>
+        <a:font script="Yiii" typeface="Microsoft Yi Baiti"/>
+        <a:font script="Tibt" typeface="Microsoft Himalaya"/>
+        <a:font script="Thaa" typeface="MV Boli"/>
+        <a:font script="Deva" typeface="Mangal"/>
+        <a:font script="Telu" typeface="Gautami"/>
+        <a:font script="Taml" typeface="Latha"/>
+        <a:font script="Syrc" typeface="Estrangelo Edessa"/>
+        <a:font script="Orya" typeface="Kalinga"/>
+        <a:font script="Mlym" typeface="Kartika"/>
+        <a:font script="Laoo" typeface="DokChampa"/>
+        <a:font script="Sinh" typeface="Iskoola Pota"/>
+        <a:font script="Mong" typeface="Mongolian Baiti"/>
+        <a:font script="Viet" typeface="Arial"/>
+        <a:font script="Uigh" typeface="Microsoft Uighur"/>
+        <a:font script="Geor" typeface="Sylfaen"/>
       </a:minorFont>
     </a:fontScheme>
-    <a:fmtScheme name="Office Theme">
+    <a:fmtScheme name="Office">
       <a:fillStyleLst>
         <a:solidFill>
           <a:schemeClr val="phClr"/>
         </a:solidFill>
-        <a:gradFill>
+        <a:gradFill rotWithShape="1">
           <a:gsLst>
             <a:gs pos="0">
               <a:schemeClr val="phClr">
-                <a:lumMod val="110000"/>
-                <a:satMod val="105000"/>
-                <a:tint val="67000"/>
+                <a:tint val="50000"/>
+                <a:satMod val="300000"/>
               </a:schemeClr>
             </a:gs>
-            <a:gs pos="50000">
+            <a:gs pos="35000">
               <a:schemeClr val="phClr">
-                <a:lumMod val="105000"/>
-                <a:satMod val="103000"/>
-                <a:tint val="73000"/>
+                <a:tint val="37000"/>
+                <a:satMod val="300000"/>
               </a:schemeClr>
             </a:gs>
             <a:gs pos="100000">
               <a:schemeClr val="phClr">
-                <a:lumMod val="105000"/>
-                <a:satMod val="109000"/>
-                <a:tint val="81000"/>
+                <a:tint val="15000"/>
+                <a:satMod val="350000"/>
               </a:schemeClr>
             </a:gs>
           </a:gsLst>
-          <a:lin ang="5400000" scaled="0"/>
+          <a:lin ang="16200000" scaled="1"/>
         </a:gradFill>
-        <a:gradFill>
+        <a:gradFill rotWithShape="1">
           <a:gsLst>
             <a:gs pos="0">
               <a:schemeClr val="phClr">
-                <a:satMod val="103000"/>
-                <a:lumMod val="102000"/>
-                <a:tint val="94000"/>
-              </a:schemeClr>
-            </a:gs>
-            <a:gs pos="50000">
-              <a:schemeClr val="phClr">
-                <a:satMod val="110000"/>
-                <a:lumMod val="100000"/>
+                <a:tint val="100000"/>
                 <a:shade val="100000"/>
+                <a:satMod val="130000"/>
               </a:schemeClr>
             </a:gs>
             <a:gs pos="100000">
               <a:schemeClr val="phClr">
-                <a:lumMod val="99000"/>
-                <a:satMod val="120000"/>
-                <a:shade val="78000"/>
+                <a:tint val="50000"/>
+                <a:shade val="100000"/>
+                <a:satMod val="350000"/>
               </a:schemeClr>
             </a:gs>
           </a:gsLst>
-          <a:lin ang="5400000" scaled="0"/>
+          <a:lin ang="16200000" scaled="0"/>
         </a:gradFill>
       </a:fillStyleLst>
       <a:lnStyleLst>
-        <a:ln w="6350" cap="flat" cmpd="sng" algn="ctr">
+        <a:ln w="9525" cap="flat" cmpd="sng" algn="ctr">
+          <a:solidFill>
+            <a:schemeClr val="phClr">
+              <a:shade val="95000"/>
+              <a:satMod val="105000"/>
+            </a:schemeClr>
+          </a:solidFill>
+          <a:prstDash val="solid"/>
+        </a:ln>
+        <a:ln w="25400" cap="flat" cmpd="sng" algn="ctr">
           <a:solidFill>
             <a:schemeClr val="phClr"/>
           </a:solidFill>
           <a:prstDash val="solid"/>
-          <a:miter lim="800000"/>
         </a:ln>
-        <a:ln w="12700" cap="flat" cmpd="sng" algn="ctr">
+        <a:ln w="38100" cap="flat" cmpd="sng" algn="ctr">
           <a:solidFill>
             <a:schemeClr val="phClr"/>
           </a:solidFill>
           <a:prstDash val="solid"/>
-          <a:miter lim="800000"/>
-        </a:ln>
-        <a:ln w="19050" cap="flat" cmpd="sng" algn="ctr">
-          <a:solidFill>
-            <a:schemeClr val="phClr"/>
-          </a:solidFill>
-          <a:prstDash val="solid"/>
-          <a:miter lim="800000"/>
         </a:ln>
       </a:lnStyleLst>
       <a:effectStyleLst>
@@ -3425,48 +3372,111 @@
               </a:srgbClr>
             </a:outerShdw>
           </a:effectLst>
+          <a:scene3d>
+            <a:camera prst="orthographicFront">
+              <a:rot lat="0" lon="0" rev="0"/>
+            </a:camera>
+            <a:lightRig rig="threePt" dir="t">
+              <a:rot lat="0" lon="0" rev="1200000"/>
+            </a:lightRig>
+          </a:scene3d>
+          <a:sp3d>
+            <a:bevelT w="63500" h="25400"/>
+          </a:sp3d>
         </a:effectStyle>
       </a:effectStyleLst>
       <a:bgFillStyleLst>
         <a:solidFill>
           <a:schemeClr val="phClr"/>
         </a:solidFill>
-        <a:solidFill>
-          <a:schemeClr val="phClr">
-            <a:tint val="95000"/>
-            <a:satMod val="170000"/>
-          </a:schemeClr>
-        </a:solidFill>
-        <a:gradFill>
+        <a:gradFill rotWithShape="1">
           <a:gsLst>
             <a:gs pos="0">
               <a:schemeClr val="phClr">
-                <a:tint val="93000"/>
-                <a:satMod val="150000"/>
-                <a:shade val="98000"/>
-                <a:lumMod val="102000"/>
+                <a:tint val="40000"/>
+                <a:satMod val="350000"/>
               </a:schemeClr>
             </a:gs>
-            <a:gs pos="50000">
+            <a:gs pos="40000">
               <a:schemeClr val="phClr">
-                <a:tint val="98000"/>
-                <a:satMod val="130000"/>
-                <a:shade val="90000"/>
-                <a:lumMod val="103000"/>
+                <a:tint val="45000"/>
+                <a:shade val="99000"/>
+                <a:satMod val="350000"/>
               </a:schemeClr>
             </a:gs>
             <a:gs pos="100000">
               <a:schemeClr val="phClr">
-                <a:shade val="63000"/>
-                <a:satMod val="120000"/>
+                <a:shade val="20000"/>
+                <a:satMod val="255000"/>
               </a:schemeClr>
             </a:gs>
           </a:gsLst>
-          <a:lin ang="5400000" scaled="0"/>
+          <a:path path="circle">
+            <a:fillToRect l="50000" t="-80000" r="50000" b="180000"/>
+          </a:path>
+        </a:gradFill>
+        <a:gradFill rotWithShape="1">
+          <a:gsLst>
+            <a:gs pos="0">
+              <a:schemeClr val="phClr">
+                <a:tint val="80000"/>
+                <a:satMod val="300000"/>
+              </a:schemeClr>
+            </a:gs>
+            <a:gs pos="100000">
+              <a:schemeClr val="phClr">
+                <a:shade val="30000"/>
+                <a:satMod val="200000"/>
+              </a:schemeClr>
+            </a:gs>
+          </a:gsLst>
+          <a:path path="circle">
+            <a:fillToRect l="50000" t="50000" r="50000" b="50000"/>
+          </a:path>
         </a:gradFill>
       </a:bgFillStyleLst>
     </a:fmtScheme>
   </a:themeElements>
-  <a:objectDefaults/>
+  <a:objectDefaults>
+    <a:spDef>
+      <a:spPr/>
+      <a:bodyPr/>
+      <a:lstStyle/>
+      <a:style>
+        <a:lnRef idx="1">
+          <a:schemeClr val="accent1"/>
+        </a:lnRef>
+        <a:fillRef idx="3">
+          <a:schemeClr val="accent1"/>
+        </a:fillRef>
+        <a:effectRef idx="2">
+          <a:schemeClr val="accent1"/>
+        </a:effectRef>
+        <a:fontRef idx="minor">
+          <a:schemeClr val="lt1"/>
+        </a:fontRef>
+      </a:style>
+    </a:spDef>
+    <a:lnDef>
+      <a:spPr/>
+      <a:bodyPr/>
+      <a:lstStyle/>
+      <a:style>
+        <a:lnRef idx="2">
+          <a:schemeClr val="accent1"/>
+        </a:lnRef>
+        <a:fillRef idx="0">
+          <a:schemeClr val="accent1"/>
+        </a:fillRef>
+        <a:effectRef idx="1">
+          <a:schemeClr val="accent1"/>
+        </a:effectRef>
+        <a:fontRef idx="minor">
+          <a:schemeClr val="tx1"/>
+        </a:fontRef>
+      </a:style>
+    </a:lnDef>
+  </a:objectDefaults>
+  <a:extraClrSchemeLst/>
 </a:theme>
 </file>